--- a/material-extra/Evaluacion apps aplicando EN301549.pptx
+++ b/material-extra/Evaluacion apps aplicando EN301549.pptx
@@ -259,7 +259,7 @@
           <a:p>
             <a:fld id="{DF6FEF4D-0142-46B4-AC7F-5B868160AD8E}" type="datetimeFigureOut">
               <a:rPr lang="es-ES" smtClean="0"/>
-              <a:t>15/10/2019</a:t>
+              <a:t>24/10/2019</a:t>
             </a:fld>
             <a:endParaRPr lang="es-ES" dirty="0"/>
           </a:p>
@@ -1441,7 +1441,7 @@
           <a:p>
             <a:fld id="{9290BFDE-1D6E-4E03-A53A-F1B29D2D0A86}" type="datetime1">
               <a:rPr lang="es-ES" smtClean="0"/>
-              <a:t>15/10/2019</a:t>
+              <a:t>24/10/2019</a:t>
             </a:fld>
             <a:endParaRPr lang="es-ES" dirty="0"/>
           </a:p>
@@ -1611,7 +1611,7 @@
           <a:p>
             <a:fld id="{A02143F0-BAC6-4443-92A3-9EA2CC19B9B7}" type="datetime1">
               <a:rPr lang="es-ES" smtClean="0"/>
-              <a:t>15/10/2019</a:t>
+              <a:t>24/10/2019</a:t>
             </a:fld>
             <a:endParaRPr lang="es-ES" dirty="0"/>
           </a:p>
@@ -1791,7 +1791,7 @@
           <a:p>
             <a:fld id="{9A67633C-AB28-4AC7-B7B0-41DFBCF1B247}" type="datetime1">
               <a:rPr lang="es-ES" smtClean="0"/>
-              <a:t>15/10/2019</a:t>
+              <a:t>24/10/2019</a:t>
             </a:fld>
             <a:endParaRPr lang="es-ES" dirty="0"/>
           </a:p>
@@ -1983,7 +1983,7 @@
           <a:p>
             <a:fld id="{960B338E-2CA8-4990-93F8-04B6F142715C}" type="datetimeFigureOut">
               <a:rPr lang="es-ES" smtClean="0"/>
-              <a:t>15/10/2019</a:t>
+              <a:t>24/10/2019</a:t>
             </a:fld>
             <a:endParaRPr lang="es-ES"/>
           </a:p>
@@ -2153,7 +2153,7 @@
           <a:p>
             <a:fld id="{960B338E-2CA8-4990-93F8-04B6F142715C}" type="datetimeFigureOut">
               <a:rPr lang="es-ES" smtClean="0"/>
-              <a:t>15/10/2019</a:t>
+              <a:t>24/10/2019</a:t>
             </a:fld>
             <a:endParaRPr lang="es-ES"/>
           </a:p>
@@ -2399,7 +2399,7 @@
           <a:p>
             <a:fld id="{960B338E-2CA8-4990-93F8-04B6F142715C}" type="datetimeFigureOut">
               <a:rPr lang="es-ES" smtClean="0"/>
-              <a:t>15/10/2019</a:t>
+              <a:t>24/10/2019</a:t>
             </a:fld>
             <a:endParaRPr lang="es-ES"/>
           </a:p>
@@ -2631,7 +2631,7 @@
           <a:p>
             <a:fld id="{960B338E-2CA8-4990-93F8-04B6F142715C}" type="datetimeFigureOut">
               <a:rPr lang="es-ES" smtClean="0"/>
-              <a:t>15/10/2019</a:t>
+              <a:t>24/10/2019</a:t>
             </a:fld>
             <a:endParaRPr lang="es-ES"/>
           </a:p>
@@ -2998,7 +2998,7 @@
           <a:p>
             <a:fld id="{960B338E-2CA8-4990-93F8-04B6F142715C}" type="datetimeFigureOut">
               <a:rPr lang="es-ES" smtClean="0"/>
-              <a:t>15/10/2019</a:t>
+              <a:t>24/10/2019</a:t>
             </a:fld>
             <a:endParaRPr lang="es-ES"/>
           </a:p>
@@ -3116,7 +3116,7 @@
           <a:p>
             <a:fld id="{960B338E-2CA8-4990-93F8-04B6F142715C}" type="datetimeFigureOut">
               <a:rPr lang="es-ES" smtClean="0"/>
-              <a:t>15/10/2019</a:t>
+              <a:t>24/10/2019</a:t>
             </a:fld>
             <a:endParaRPr lang="es-ES"/>
           </a:p>
@@ -3211,7 +3211,7 @@
           <a:p>
             <a:fld id="{960B338E-2CA8-4990-93F8-04B6F142715C}" type="datetimeFigureOut">
               <a:rPr lang="es-ES" smtClean="0"/>
-              <a:t>15/10/2019</a:t>
+              <a:t>24/10/2019</a:t>
             </a:fld>
             <a:endParaRPr lang="es-ES"/>
           </a:p>
@@ -3424,7 +3424,7 @@
           <a:p>
             <a:fld id="{29A70EA5-8E19-4BC4-934C-2C82A50D6490}" type="datetime1">
               <a:rPr lang="es-ES" smtClean="0"/>
-              <a:t>15/10/2019</a:t>
+              <a:t>24/10/2019</a:t>
             </a:fld>
             <a:endParaRPr lang="es-ES" dirty="0"/>
           </a:p>
@@ -3706,7 +3706,7 @@
           <a:p>
             <a:fld id="{960B338E-2CA8-4990-93F8-04B6F142715C}" type="datetimeFigureOut">
               <a:rPr lang="es-ES" smtClean="0"/>
-              <a:t>15/10/2019</a:t>
+              <a:t>24/10/2019</a:t>
             </a:fld>
             <a:endParaRPr lang="es-ES"/>
           </a:p>
@@ -3959,7 +3959,7 @@
           <a:p>
             <a:fld id="{960B338E-2CA8-4990-93F8-04B6F142715C}" type="datetimeFigureOut">
               <a:rPr lang="es-ES" smtClean="0"/>
-              <a:t>15/10/2019</a:t>
+              <a:t>24/10/2019</a:t>
             </a:fld>
             <a:endParaRPr lang="es-ES"/>
           </a:p>
@@ -4129,7 +4129,7 @@
           <a:p>
             <a:fld id="{960B338E-2CA8-4990-93F8-04B6F142715C}" type="datetimeFigureOut">
               <a:rPr lang="es-ES" smtClean="0"/>
-              <a:t>15/10/2019</a:t>
+              <a:t>24/10/2019</a:t>
             </a:fld>
             <a:endParaRPr lang="es-ES"/>
           </a:p>
@@ -4309,7 +4309,7 @@
           <a:p>
             <a:fld id="{960B338E-2CA8-4990-93F8-04B6F142715C}" type="datetimeFigureOut">
               <a:rPr lang="es-ES" smtClean="0"/>
-              <a:t>15/10/2019</a:t>
+              <a:t>24/10/2019</a:t>
             </a:fld>
             <a:endParaRPr lang="es-ES"/>
           </a:p>
@@ -4522,7 +4522,7 @@
           <a:p>
             <a:fld id="{29A70EA5-8E19-4BC4-934C-2C82A50D6490}" type="datetime1">
               <a:rPr lang="es-ES" smtClean="0"/>
-              <a:t>15/10/2019</a:t>
+              <a:t>24/10/2019</a:t>
             </a:fld>
             <a:endParaRPr lang="es-ES" dirty="0"/>
           </a:p>
@@ -4759,7 +4759,7 @@
           <a:p>
             <a:fld id="{A36C9D08-3C16-416B-B8F9-4D4A629F38C9}" type="datetime1">
               <a:rPr lang="es-ES" smtClean="0"/>
-              <a:t>15/10/2019</a:t>
+              <a:t>24/10/2019</a:t>
             </a:fld>
             <a:endParaRPr lang="es-ES" dirty="0"/>
           </a:p>
@@ -5126,7 +5126,7 @@
           <a:p>
             <a:fld id="{69E1E605-5CBB-40FE-87B4-05B62A5CAB7C}" type="datetime1">
               <a:rPr lang="es-ES" smtClean="0"/>
-              <a:t>15/10/2019</a:t>
+              <a:t>24/10/2019</a:t>
             </a:fld>
             <a:endParaRPr lang="es-ES" dirty="0"/>
           </a:p>
@@ -5244,7 +5244,7 @@
           <a:p>
             <a:fld id="{5EC06281-1CDF-413F-B502-D8EF9109D251}" type="datetime1">
               <a:rPr lang="es-ES" smtClean="0"/>
-              <a:t>15/10/2019</a:t>
+              <a:t>24/10/2019</a:t>
             </a:fld>
             <a:endParaRPr lang="es-ES" dirty="0"/>
           </a:p>
@@ -5362,7 +5362,7 @@
           <a:p>
             <a:fld id="{82C46C39-2265-4ECA-84D0-AFE501AC4C1C}" type="datetime1">
               <a:rPr lang="es-ES" smtClean="0"/>
-              <a:t>15/10/2019</a:t>
+              <a:t>24/10/2019</a:t>
             </a:fld>
             <a:endParaRPr lang="es-ES" dirty="0"/>
           </a:p>
@@ -5457,7 +5457,7 @@
           <a:p>
             <a:fld id="{350D3683-7933-4D92-B730-4B8490CCDF4B}" type="datetime1">
               <a:rPr lang="es-ES" smtClean="0"/>
-              <a:t>15/10/2019</a:t>
+              <a:t>24/10/2019</a:t>
             </a:fld>
             <a:endParaRPr lang="es-ES" dirty="0"/>
           </a:p>
@@ -5734,7 +5734,7 @@
           <a:p>
             <a:fld id="{5C35D45B-6432-4BD4-BB2B-6E8E1493A879}" type="datetime1">
               <a:rPr lang="es-ES" smtClean="0"/>
-              <a:t>15/10/2019</a:t>
+              <a:t>24/10/2019</a:t>
             </a:fld>
             <a:endParaRPr lang="es-ES" dirty="0"/>
           </a:p>
@@ -5947,7 +5947,7 @@
           <a:p>
             <a:fld id="{82C46C39-2265-4ECA-84D0-AFE501AC4C1C}" type="datetime1">
               <a:rPr lang="es-ES" smtClean="0"/>
-              <a:t>15/10/2019</a:t>
+              <a:t>24/10/2019</a:t>
             </a:fld>
             <a:endParaRPr lang="es-ES" dirty="0"/>
           </a:p>
@@ -6489,7 +6489,7 @@
           <a:p>
             <a:fld id="{960B338E-2CA8-4990-93F8-04B6F142715C}" type="datetimeFigureOut">
               <a:rPr lang="es-ES" smtClean="0"/>
-              <a:t>15/10/2019</a:t>
+              <a:t>24/10/2019</a:t>
             </a:fld>
             <a:endParaRPr lang="es-ES"/>
           </a:p>
@@ -6945,7 +6945,7 @@
         </p:spPr>
         <p:txBody>
           <a:bodyPr>
-            <a:normAutofit fontScale="92500" lnSpcReduction="10000"/>
+            <a:normAutofit/>
           </a:bodyPr>
           <a:lstStyle/>
           <a:p>
@@ -6967,23 +6967,26 @@
             <a:br>
               <a:rPr lang="en-US" b="1" dirty="0"/>
             </a:br>
-            <a:endParaRPr lang="en-US" b="1" dirty="0" smtClean="0"/>
-          </a:p>
-          <a:p>
-            <a:pPr algn="r"/>
-            <a:r>
-              <a:rPr lang="en-US" dirty="0" smtClean="0">
+            <a:r>
+              <a:rPr lang="en-US" sz="2000" dirty="0"/>
+              <a:t>jose.hilera@uah.es</a:t>
+            </a:r>
+            <a:br>
+              <a:rPr lang="en-US" sz="2000" dirty="0"/>
+            </a:br>
+            <a:r>
+              <a:rPr lang="en-US" sz="2000" dirty="0" smtClean="0">
                 <a:hlinkClick r:id="rId4"/>
               </a:rPr>
               <a:t>@</a:t>
             </a:r>
             <a:r>
-              <a:rPr lang="en-US" dirty="0">
+              <a:rPr lang="en-US" sz="2000" dirty="0">
                 <a:hlinkClick r:id="rId4"/>
               </a:rPr>
               <a:t>software_a11y</a:t>
             </a:r>
-            <a:endParaRPr lang="en-US" dirty="0"/>
+            <a:endParaRPr lang="en-US" sz="2000" dirty="0"/>
           </a:p>
           <a:p>
             <a:pPr algn="r"/>
@@ -6993,11 +6996,7 @@
             <a:pPr algn="r"/>
             <a:r>
               <a:rPr lang="en-US" b="1" i="1" dirty="0" smtClean="0"/>
-              <a:t>(</a:t>
-            </a:r>
-            <a:r>
-              <a:rPr lang="en-US" b="1" i="1" dirty="0" smtClean="0"/>
-              <a:t>2019)</a:t>
+              <a:t>(2019)</a:t>
             </a:r>
             <a:endParaRPr lang="es-ES" i="1" dirty="0" smtClean="0"/>
           </a:p>
@@ -8974,7 +8973,7 @@
                 <a:gridCol w="11026775">
                   <a:extLst>
                     <a:ext uri="{9D8B030D-6E8A-4147-A177-3AD203B41FA5}">
-                      <a16:colId xmlns:a16="http://schemas.microsoft.com/office/drawing/2014/main" xmlns="" val="20000"/>
+                      <a16:colId xmlns="" xmlns:a16="http://schemas.microsoft.com/office/drawing/2014/main" val="20000"/>
                     </a:ext>
                   </a:extLst>
                 </a:gridCol>
@@ -9001,7 +9000,7 @@
                 </a:tc>
                 <a:extLst>
                   <a:ext uri="{0D108BD9-81ED-4DB2-BD59-A6C34878D82A}">
-                    <a16:rowId xmlns:a16="http://schemas.microsoft.com/office/drawing/2014/main" xmlns="" val="10000"/>
+                    <a16:rowId xmlns="" xmlns:a16="http://schemas.microsoft.com/office/drawing/2014/main" val="10000"/>
                   </a:ext>
                 </a:extLst>
               </a:tr>
@@ -9042,7 +9041,7 @@
                 </a:tc>
                 <a:extLst>
                   <a:ext uri="{0D108BD9-81ED-4DB2-BD59-A6C34878D82A}">
-                    <a16:rowId xmlns:a16="http://schemas.microsoft.com/office/drawing/2014/main" xmlns="" val="10001"/>
+                    <a16:rowId xmlns="" xmlns:a16="http://schemas.microsoft.com/office/drawing/2014/main" val="10001"/>
                   </a:ext>
                 </a:extLst>
               </a:tr>
@@ -9067,7 +9066,7 @@
                 </a:tc>
                 <a:extLst>
                   <a:ext uri="{0D108BD9-81ED-4DB2-BD59-A6C34878D82A}">
-                    <a16:rowId xmlns:a16="http://schemas.microsoft.com/office/drawing/2014/main" xmlns="" val="10002"/>
+                    <a16:rowId xmlns="" xmlns:a16="http://schemas.microsoft.com/office/drawing/2014/main" val="10002"/>
                   </a:ext>
                 </a:extLst>
               </a:tr>
@@ -9092,7 +9091,7 @@
                 </a:tc>
                 <a:extLst>
                   <a:ext uri="{0D108BD9-81ED-4DB2-BD59-A6C34878D82A}">
-                    <a16:rowId xmlns:a16="http://schemas.microsoft.com/office/drawing/2014/main" xmlns="" val="10003"/>
+                    <a16:rowId xmlns="" xmlns:a16="http://schemas.microsoft.com/office/drawing/2014/main" val="10003"/>
                   </a:ext>
                 </a:extLst>
               </a:tr>
@@ -9141,7 +9140,7 @@
                 </a:tc>
                 <a:extLst>
                   <a:ext uri="{0D108BD9-81ED-4DB2-BD59-A6C34878D82A}">
-                    <a16:rowId xmlns:a16="http://schemas.microsoft.com/office/drawing/2014/main" xmlns="" val="10004"/>
+                    <a16:rowId xmlns="" xmlns:a16="http://schemas.microsoft.com/office/drawing/2014/main" val="10004"/>
                   </a:ext>
                 </a:extLst>
               </a:tr>
@@ -9308,14 +9307,16 @@
       </p:pic>
       <p:pic>
         <p:nvPicPr>
-          <p:cNvPr id="9" name="Imagen 8"/>
+          <p:cNvPr id="9" name="Imagen 8" title="Estándar EN 301549 en Español">
+            <a:hlinkClick r:id="rId4"/>
+          </p:cNvPr>
           <p:cNvPicPr>
             <a:picLocks noChangeAspect="1"/>
           </p:cNvPicPr>
           <p:nvPr/>
         </p:nvPicPr>
         <p:blipFill>
-          <a:blip r:embed="rId4" cstate="print">
+          <a:blip r:embed="rId5" cstate="print">
             <a:extLst>
               <a:ext uri="{28A0092B-C50C-407E-A947-70E740481C1C}">
                 <a14:useLocalDpi xmlns:a14="http://schemas.microsoft.com/office/drawing/2010/main" val="0"/>
@@ -9346,7 +9347,9 @@
       </p:pic>
       <p:pic>
         <p:nvPicPr>
-          <p:cNvPr id="10" name="Imagen 9"/>
+          <p:cNvPr id="10" name="Imagen 9" title="Estándar EN 301549 en inglés">
+            <a:hlinkClick r:id="rId6"/>
+          </p:cNvPr>
           <p:cNvPicPr>
             <a:picLocks noChangeAspect="1"/>
           </p:cNvPicPr>
@@ -9478,7 +9481,7 @@
                 <a:gridCol w="11026775">
                   <a:extLst>
                     <a:ext uri="{9D8B030D-6E8A-4147-A177-3AD203B41FA5}">
-                      <a16:colId xmlns:a16="http://schemas.microsoft.com/office/drawing/2014/main" xmlns="" val="20000"/>
+                      <a16:colId xmlns="" xmlns:a16="http://schemas.microsoft.com/office/drawing/2014/main" val="20000"/>
                     </a:ext>
                   </a:extLst>
                 </a:gridCol>
@@ -9505,7 +9508,7 @@
                 </a:tc>
                 <a:extLst>
                   <a:ext uri="{0D108BD9-81ED-4DB2-BD59-A6C34878D82A}">
-                    <a16:rowId xmlns:a16="http://schemas.microsoft.com/office/drawing/2014/main" xmlns="" val="10000"/>
+                    <a16:rowId xmlns="" xmlns:a16="http://schemas.microsoft.com/office/drawing/2014/main" val="10000"/>
                   </a:ext>
                 </a:extLst>
               </a:tr>
@@ -9582,7 +9585,7 @@
                 </a:tc>
                 <a:extLst>
                   <a:ext uri="{0D108BD9-81ED-4DB2-BD59-A6C34878D82A}">
-                    <a16:rowId xmlns:a16="http://schemas.microsoft.com/office/drawing/2014/main" xmlns="" val="10001"/>
+                    <a16:rowId xmlns="" xmlns:a16="http://schemas.microsoft.com/office/drawing/2014/main" val="10001"/>
                   </a:ext>
                 </a:extLst>
               </a:tr>
@@ -9619,7 +9622,7 @@
                 </a:tc>
                 <a:extLst>
                   <a:ext uri="{0D108BD9-81ED-4DB2-BD59-A6C34878D82A}">
-                    <a16:rowId xmlns:a16="http://schemas.microsoft.com/office/drawing/2014/main" xmlns="" val="10002"/>
+                    <a16:rowId xmlns="" xmlns:a16="http://schemas.microsoft.com/office/drawing/2014/main" val="10002"/>
                   </a:ext>
                 </a:extLst>
               </a:tr>
@@ -9652,7 +9655,7 @@
                 </a:tc>
                 <a:extLst>
                   <a:ext uri="{0D108BD9-81ED-4DB2-BD59-A6C34878D82A}">
-                    <a16:rowId xmlns:a16="http://schemas.microsoft.com/office/drawing/2014/main" xmlns="" val="10003"/>
+                    <a16:rowId xmlns="" xmlns:a16="http://schemas.microsoft.com/office/drawing/2014/main" val="10003"/>
                   </a:ext>
                 </a:extLst>
               </a:tr>
@@ -9685,7 +9688,7 @@
                 </a:tc>
                 <a:extLst>
                   <a:ext uri="{0D108BD9-81ED-4DB2-BD59-A6C34878D82A}">
-                    <a16:rowId xmlns:a16="http://schemas.microsoft.com/office/drawing/2014/main" xmlns="" val="10004"/>
+                    <a16:rowId xmlns="" xmlns:a16="http://schemas.microsoft.com/office/drawing/2014/main" val="10004"/>
                   </a:ext>
                 </a:extLst>
               </a:tr>
@@ -9826,7 +9829,7 @@
                 <a:gridCol w="11026775">
                   <a:extLst>
                     <a:ext uri="{9D8B030D-6E8A-4147-A177-3AD203B41FA5}">
-                      <a16:colId xmlns:a16="http://schemas.microsoft.com/office/drawing/2014/main" xmlns="" val="20000"/>
+                      <a16:colId xmlns="" xmlns:a16="http://schemas.microsoft.com/office/drawing/2014/main" val="20000"/>
                     </a:ext>
                   </a:extLst>
                 </a:gridCol>
@@ -9853,7 +9856,7 @@
                 </a:tc>
                 <a:extLst>
                   <a:ext uri="{0D108BD9-81ED-4DB2-BD59-A6C34878D82A}">
-                    <a16:rowId xmlns:a16="http://schemas.microsoft.com/office/drawing/2014/main" xmlns="" val="10000"/>
+                    <a16:rowId xmlns="" xmlns:a16="http://schemas.microsoft.com/office/drawing/2014/main" val="10000"/>
                   </a:ext>
                 </a:extLst>
               </a:tr>
@@ -9878,7 +9881,7 @@
                 </a:tc>
                 <a:extLst>
                   <a:ext uri="{0D108BD9-81ED-4DB2-BD59-A6C34878D82A}">
-                    <a16:rowId xmlns:a16="http://schemas.microsoft.com/office/drawing/2014/main" xmlns="" val="10001"/>
+                    <a16:rowId xmlns="" xmlns:a16="http://schemas.microsoft.com/office/drawing/2014/main" val="10001"/>
                   </a:ext>
                 </a:extLst>
               </a:tr>
@@ -9903,7 +9906,7 @@
                 </a:tc>
                 <a:extLst>
                   <a:ext uri="{0D108BD9-81ED-4DB2-BD59-A6C34878D82A}">
-                    <a16:rowId xmlns:a16="http://schemas.microsoft.com/office/drawing/2014/main" xmlns="" val="10002"/>
+                    <a16:rowId xmlns="" xmlns:a16="http://schemas.microsoft.com/office/drawing/2014/main" val="10002"/>
                   </a:ext>
                 </a:extLst>
               </a:tr>
@@ -9928,7 +9931,7 @@
                 </a:tc>
                 <a:extLst>
                   <a:ext uri="{0D108BD9-81ED-4DB2-BD59-A6C34878D82A}">
-                    <a16:rowId xmlns:a16="http://schemas.microsoft.com/office/drawing/2014/main" xmlns="" val="10003"/>
+                    <a16:rowId xmlns="" xmlns:a16="http://schemas.microsoft.com/office/drawing/2014/main" val="10003"/>
                   </a:ext>
                 </a:extLst>
               </a:tr>
@@ -9977,7 +9980,7 @@
                 </a:tc>
                 <a:extLst>
                   <a:ext uri="{0D108BD9-81ED-4DB2-BD59-A6C34878D82A}">
-                    <a16:rowId xmlns:a16="http://schemas.microsoft.com/office/drawing/2014/main" xmlns="" val="10004"/>
+                    <a16:rowId xmlns="" xmlns:a16="http://schemas.microsoft.com/office/drawing/2014/main" val="10004"/>
                   </a:ext>
                 </a:extLst>
               </a:tr>
@@ -10118,7 +10121,7 @@
                 <a:gridCol w="11026775">
                   <a:extLst>
                     <a:ext uri="{9D8B030D-6E8A-4147-A177-3AD203B41FA5}">
-                      <a16:colId xmlns:a16="http://schemas.microsoft.com/office/drawing/2014/main" xmlns="" val="20000"/>
+                      <a16:colId xmlns="" xmlns:a16="http://schemas.microsoft.com/office/drawing/2014/main" val="20000"/>
                     </a:ext>
                   </a:extLst>
                 </a:gridCol>
@@ -10145,7 +10148,7 @@
                 </a:tc>
                 <a:extLst>
                   <a:ext uri="{0D108BD9-81ED-4DB2-BD59-A6C34878D82A}">
-                    <a16:rowId xmlns:a16="http://schemas.microsoft.com/office/drawing/2014/main" xmlns="" val="10000"/>
+                    <a16:rowId xmlns="" xmlns:a16="http://schemas.microsoft.com/office/drawing/2014/main" val="10000"/>
                   </a:ext>
                 </a:extLst>
               </a:tr>
@@ -10178,7 +10181,7 @@
                 </a:tc>
                 <a:extLst>
                   <a:ext uri="{0D108BD9-81ED-4DB2-BD59-A6C34878D82A}">
-                    <a16:rowId xmlns:a16="http://schemas.microsoft.com/office/drawing/2014/main" xmlns="" val="10001"/>
+                    <a16:rowId xmlns="" xmlns:a16="http://schemas.microsoft.com/office/drawing/2014/main" val="10001"/>
                   </a:ext>
                 </a:extLst>
               </a:tr>
@@ -10203,7 +10206,7 @@
                 </a:tc>
                 <a:extLst>
                   <a:ext uri="{0D108BD9-81ED-4DB2-BD59-A6C34878D82A}">
-                    <a16:rowId xmlns:a16="http://schemas.microsoft.com/office/drawing/2014/main" xmlns="" val="10002"/>
+                    <a16:rowId xmlns="" xmlns:a16="http://schemas.microsoft.com/office/drawing/2014/main" val="10002"/>
                   </a:ext>
                 </a:extLst>
               </a:tr>
@@ -10267,7 +10270,7 @@
                 </a:tc>
                 <a:extLst>
                   <a:ext uri="{0D108BD9-81ED-4DB2-BD59-A6C34878D82A}">
-                    <a16:rowId xmlns:a16="http://schemas.microsoft.com/office/drawing/2014/main" xmlns="" val="10003"/>
+                    <a16:rowId xmlns="" xmlns:a16="http://schemas.microsoft.com/office/drawing/2014/main" val="10003"/>
                   </a:ext>
                 </a:extLst>
               </a:tr>
@@ -10307,7 +10310,7 @@
                 </a:tc>
                 <a:extLst>
                   <a:ext uri="{0D108BD9-81ED-4DB2-BD59-A6C34878D82A}">
-                    <a16:rowId xmlns:a16="http://schemas.microsoft.com/office/drawing/2014/main" xmlns="" val="10004"/>
+                    <a16:rowId xmlns="" xmlns:a16="http://schemas.microsoft.com/office/drawing/2014/main" val="10004"/>
                   </a:ext>
                 </a:extLst>
               </a:tr>
@@ -10440,7 +10443,7 @@
                 <a:gridCol w="11026775">
                   <a:extLst>
                     <a:ext uri="{9D8B030D-6E8A-4147-A177-3AD203B41FA5}">
-                      <a16:colId xmlns:a16="http://schemas.microsoft.com/office/drawing/2014/main" xmlns="" val="20000"/>
+                      <a16:colId xmlns="" xmlns:a16="http://schemas.microsoft.com/office/drawing/2014/main" val="20000"/>
                     </a:ext>
                   </a:extLst>
                 </a:gridCol>
@@ -10467,7 +10470,7 @@
                 </a:tc>
                 <a:extLst>
                   <a:ext uri="{0D108BD9-81ED-4DB2-BD59-A6C34878D82A}">
-                    <a16:rowId xmlns:a16="http://schemas.microsoft.com/office/drawing/2014/main" xmlns="" val="10000"/>
+                    <a16:rowId xmlns="" xmlns:a16="http://schemas.microsoft.com/office/drawing/2014/main" val="10000"/>
                   </a:ext>
                 </a:extLst>
               </a:tr>
@@ -10492,7 +10495,7 @@
                 </a:tc>
                 <a:extLst>
                   <a:ext uri="{0D108BD9-81ED-4DB2-BD59-A6C34878D82A}">
-                    <a16:rowId xmlns:a16="http://schemas.microsoft.com/office/drawing/2014/main" xmlns="" val="10001"/>
+                    <a16:rowId xmlns="" xmlns:a16="http://schemas.microsoft.com/office/drawing/2014/main" val="10001"/>
                   </a:ext>
                 </a:extLst>
               </a:tr>
@@ -10517,7 +10520,7 @@
                 </a:tc>
                 <a:extLst>
                   <a:ext uri="{0D108BD9-81ED-4DB2-BD59-A6C34878D82A}">
-                    <a16:rowId xmlns:a16="http://schemas.microsoft.com/office/drawing/2014/main" xmlns="" val="10002"/>
+                    <a16:rowId xmlns="" xmlns:a16="http://schemas.microsoft.com/office/drawing/2014/main" val="10002"/>
                   </a:ext>
                 </a:extLst>
               </a:tr>
@@ -10541,7 +10544,7 @@
                 </a:tc>
                 <a:extLst>
                   <a:ext uri="{0D108BD9-81ED-4DB2-BD59-A6C34878D82A}">
-                    <a16:rowId xmlns:a16="http://schemas.microsoft.com/office/drawing/2014/main" xmlns="" val="10003"/>
+                    <a16:rowId xmlns="" xmlns:a16="http://schemas.microsoft.com/office/drawing/2014/main" val="10003"/>
                   </a:ext>
                 </a:extLst>
               </a:tr>
@@ -10674,7 +10677,7 @@
                 <a:gridCol w="11026775">
                   <a:extLst>
                     <a:ext uri="{9D8B030D-6E8A-4147-A177-3AD203B41FA5}">
-                      <a16:colId xmlns:a16="http://schemas.microsoft.com/office/drawing/2014/main" xmlns="" val="20000"/>
+                      <a16:colId xmlns="" xmlns:a16="http://schemas.microsoft.com/office/drawing/2014/main" val="20000"/>
                     </a:ext>
                   </a:extLst>
                 </a:gridCol>
@@ -10701,7 +10704,7 @@
                 </a:tc>
                 <a:extLst>
                   <a:ext uri="{0D108BD9-81ED-4DB2-BD59-A6C34878D82A}">
-                    <a16:rowId xmlns:a16="http://schemas.microsoft.com/office/drawing/2014/main" xmlns="" val="10000"/>
+                    <a16:rowId xmlns="" xmlns:a16="http://schemas.microsoft.com/office/drawing/2014/main" val="10000"/>
                   </a:ext>
                 </a:extLst>
               </a:tr>
@@ -10750,7 +10753,7 @@
                 </a:tc>
                 <a:extLst>
                   <a:ext uri="{0D108BD9-81ED-4DB2-BD59-A6C34878D82A}">
-                    <a16:rowId xmlns:a16="http://schemas.microsoft.com/office/drawing/2014/main" xmlns="" val="10001"/>
+                    <a16:rowId xmlns="" xmlns:a16="http://schemas.microsoft.com/office/drawing/2014/main" val="10001"/>
                   </a:ext>
                 </a:extLst>
               </a:tr>
@@ -10799,7 +10802,7 @@
                 </a:tc>
                 <a:extLst>
                   <a:ext uri="{0D108BD9-81ED-4DB2-BD59-A6C34878D82A}">
-                    <a16:rowId xmlns:a16="http://schemas.microsoft.com/office/drawing/2014/main" xmlns="" val="10002"/>
+                    <a16:rowId xmlns="" xmlns:a16="http://schemas.microsoft.com/office/drawing/2014/main" val="10002"/>
                   </a:ext>
                 </a:extLst>
               </a:tr>
@@ -10839,7 +10842,7 @@
                 </a:tc>
                 <a:extLst>
                   <a:ext uri="{0D108BD9-81ED-4DB2-BD59-A6C34878D82A}">
-                    <a16:rowId xmlns:a16="http://schemas.microsoft.com/office/drawing/2014/main" xmlns="" val="10003"/>
+                    <a16:rowId xmlns="" xmlns:a16="http://schemas.microsoft.com/office/drawing/2014/main" val="10003"/>
                   </a:ext>
                 </a:extLst>
               </a:tr>
@@ -10880,7 +10883,7 @@
                 </a:tc>
                 <a:extLst>
                   <a:ext uri="{0D108BD9-81ED-4DB2-BD59-A6C34878D82A}">
-                    <a16:rowId xmlns:a16="http://schemas.microsoft.com/office/drawing/2014/main" xmlns="" val="10004"/>
+                    <a16:rowId xmlns="" xmlns:a16="http://schemas.microsoft.com/office/drawing/2014/main" val="10004"/>
                   </a:ext>
                 </a:extLst>
               </a:tr>
@@ -11206,7 +11209,7 @@
                 <a:gridCol w="11026775">
                   <a:extLst>
                     <a:ext uri="{9D8B030D-6E8A-4147-A177-3AD203B41FA5}">
-                      <a16:colId xmlns:a16="http://schemas.microsoft.com/office/drawing/2014/main" xmlns="" val="20000"/>
+                      <a16:colId xmlns="" xmlns:a16="http://schemas.microsoft.com/office/drawing/2014/main" val="20000"/>
                     </a:ext>
                   </a:extLst>
                 </a:gridCol>
@@ -11249,7 +11252,7 @@
                 </a:tc>
                 <a:extLst>
                   <a:ext uri="{0D108BD9-81ED-4DB2-BD59-A6C34878D82A}">
-                    <a16:rowId xmlns:a16="http://schemas.microsoft.com/office/drawing/2014/main" xmlns="" val="10000"/>
+                    <a16:rowId xmlns="" xmlns:a16="http://schemas.microsoft.com/office/drawing/2014/main" val="10000"/>
                   </a:ext>
                 </a:extLst>
               </a:tr>
@@ -11341,7 +11344,7 @@
                 </a:tc>
                 <a:extLst>
                   <a:ext uri="{0D108BD9-81ED-4DB2-BD59-A6C34878D82A}">
-                    <a16:rowId xmlns:a16="http://schemas.microsoft.com/office/drawing/2014/main" xmlns="" val="10001"/>
+                    <a16:rowId xmlns="" xmlns:a16="http://schemas.microsoft.com/office/drawing/2014/main" val="10001"/>
                   </a:ext>
                 </a:extLst>
               </a:tr>
@@ -11404,7 +11407,7 @@
                 </a:tc>
                 <a:extLst>
                   <a:ext uri="{0D108BD9-81ED-4DB2-BD59-A6C34878D82A}">
-                    <a16:rowId xmlns:a16="http://schemas.microsoft.com/office/drawing/2014/main" xmlns="" val="10002"/>
+                    <a16:rowId xmlns="" xmlns:a16="http://schemas.microsoft.com/office/drawing/2014/main" val="10002"/>
                   </a:ext>
                 </a:extLst>
               </a:tr>
@@ -11542,7 +11545,7 @@
                 </a:tc>
                 <a:extLst>
                   <a:ext uri="{0D108BD9-81ED-4DB2-BD59-A6C34878D82A}">
-                    <a16:rowId xmlns:a16="http://schemas.microsoft.com/office/drawing/2014/main" xmlns="" val="10003"/>
+                    <a16:rowId xmlns="" xmlns:a16="http://schemas.microsoft.com/office/drawing/2014/main" val="10003"/>
                   </a:ext>
                 </a:extLst>
               </a:tr>
@@ -11581,7 +11584,7 @@
                 </a:tc>
                 <a:extLst>
                   <a:ext uri="{0D108BD9-81ED-4DB2-BD59-A6C34878D82A}">
-                    <a16:rowId xmlns:a16="http://schemas.microsoft.com/office/drawing/2014/main" xmlns="" val="10004"/>
+                    <a16:rowId xmlns="" xmlns:a16="http://schemas.microsoft.com/office/drawing/2014/main" val="10004"/>
                   </a:ext>
                 </a:extLst>
               </a:tr>
@@ -11642,7 +11645,7 @@
                 </a:tc>
                 <a:extLst>
                   <a:ext uri="{0D108BD9-81ED-4DB2-BD59-A6C34878D82A}">
-                    <a16:rowId xmlns:a16="http://schemas.microsoft.com/office/drawing/2014/main" xmlns="" val="10005"/>
+                    <a16:rowId xmlns="" xmlns:a16="http://schemas.microsoft.com/office/drawing/2014/main" val="10005"/>
                   </a:ext>
                 </a:extLst>
               </a:tr>
@@ -11791,7 +11794,7 @@
                 <a:gridCol w="11026775">
                   <a:extLst>
                     <a:ext uri="{9D8B030D-6E8A-4147-A177-3AD203B41FA5}">
-                      <a16:colId xmlns:a16="http://schemas.microsoft.com/office/drawing/2014/main" xmlns="" val="20000"/>
+                      <a16:colId xmlns="" xmlns:a16="http://schemas.microsoft.com/office/drawing/2014/main" val="20000"/>
                     </a:ext>
                   </a:extLst>
                 </a:gridCol>
@@ -11834,7 +11837,7 @@
                 </a:tc>
                 <a:extLst>
                   <a:ext uri="{0D108BD9-81ED-4DB2-BD59-A6C34878D82A}">
-                    <a16:rowId xmlns:a16="http://schemas.microsoft.com/office/drawing/2014/main" xmlns="" val="10000"/>
+                    <a16:rowId xmlns="" xmlns:a16="http://schemas.microsoft.com/office/drawing/2014/main" val="10000"/>
                   </a:ext>
                 </a:extLst>
               </a:tr>
@@ -11950,7 +11953,7 @@
                 </a:tc>
                 <a:extLst>
                   <a:ext uri="{0D108BD9-81ED-4DB2-BD59-A6C34878D82A}">
-                    <a16:rowId xmlns:a16="http://schemas.microsoft.com/office/drawing/2014/main" xmlns="" val="10001"/>
+                    <a16:rowId xmlns="" xmlns:a16="http://schemas.microsoft.com/office/drawing/2014/main" val="10001"/>
                   </a:ext>
                 </a:extLst>
               </a:tr>
@@ -12033,7 +12036,7 @@
                 </a:tc>
                 <a:extLst>
                   <a:ext uri="{0D108BD9-81ED-4DB2-BD59-A6C34878D82A}">
-                    <a16:rowId xmlns:a16="http://schemas.microsoft.com/office/drawing/2014/main" xmlns="" val="10002"/>
+                    <a16:rowId xmlns="" xmlns:a16="http://schemas.microsoft.com/office/drawing/2014/main" val="10002"/>
                   </a:ext>
                 </a:extLst>
               </a:tr>
@@ -12072,7 +12075,7 @@
                 </a:tc>
                 <a:extLst>
                   <a:ext uri="{0D108BD9-81ED-4DB2-BD59-A6C34878D82A}">
-                    <a16:rowId xmlns:a16="http://schemas.microsoft.com/office/drawing/2014/main" xmlns="" val="10003"/>
+                    <a16:rowId xmlns="" xmlns:a16="http://schemas.microsoft.com/office/drawing/2014/main" val="10003"/>
                   </a:ext>
                 </a:extLst>
               </a:tr>
@@ -12155,7 +12158,7 @@
                 </a:tc>
                 <a:extLst>
                   <a:ext uri="{0D108BD9-81ED-4DB2-BD59-A6C34878D82A}">
-                    <a16:rowId xmlns:a16="http://schemas.microsoft.com/office/drawing/2014/main" xmlns="" val="10004"/>
+                    <a16:rowId xmlns="" xmlns:a16="http://schemas.microsoft.com/office/drawing/2014/main" val="10004"/>
                   </a:ext>
                 </a:extLst>
               </a:tr>
@@ -12213,7 +12216,7 @@
                 </a:tc>
                 <a:extLst>
                   <a:ext uri="{0D108BD9-81ED-4DB2-BD59-A6C34878D82A}">
-                    <a16:rowId xmlns:a16="http://schemas.microsoft.com/office/drawing/2014/main" xmlns="" val="10005"/>
+                    <a16:rowId xmlns="" xmlns:a16="http://schemas.microsoft.com/office/drawing/2014/main" val="10005"/>
                   </a:ext>
                 </a:extLst>
               </a:tr>
@@ -12290,7 +12293,7 @@
                 </a:tc>
                 <a:extLst>
                   <a:ext uri="{0D108BD9-81ED-4DB2-BD59-A6C34878D82A}">
-                    <a16:rowId xmlns:a16="http://schemas.microsoft.com/office/drawing/2014/main" xmlns="" val="10006"/>
+                    <a16:rowId xmlns="" xmlns:a16="http://schemas.microsoft.com/office/drawing/2014/main" val="10006"/>
                   </a:ext>
                 </a:extLst>
               </a:tr>
@@ -12439,7 +12442,7 @@
                 <a:gridCol w="11026775">
                   <a:extLst>
                     <a:ext uri="{9D8B030D-6E8A-4147-A177-3AD203B41FA5}">
-                      <a16:colId xmlns:a16="http://schemas.microsoft.com/office/drawing/2014/main" xmlns="" val="20000"/>
+                      <a16:colId xmlns="" xmlns:a16="http://schemas.microsoft.com/office/drawing/2014/main" val="20000"/>
                     </a:ext>
                   </a:extLst>
                 </a:gridCol>
@@ -12482,7 +12485,7 @@
                 </a:tc>
                 <a:extLst>
                   <a:ext uri="{0D108BD9-81ED-4DB2-BD59-A6C34878D82A}">
-                    <a16:rowId xmlns:a16="http://schemas.microsoft.com/office/drawing/2014/main" xmlns="" val="10000"/>
+                    <a16:rowId xmlns="" xmlns:a16="http://schemas.microsoft.com/office/drawing/2014/main" val="10000"/>
                   </a:ext>
                 </a:extLst>
               </a:tr>
@@ -12540,7 +12543,7 @@
                 </a:tc>
                 <a:extLst>
                   <a:ext uri="{0D108BD9-81ED-4DB2-BD59-A6C34878D82A}">
-                    <a16:rowId xmlns:a16="http://schemas.microsoft.com/office/drawing/2014/main" xmlns="" val="10001"/>
+                    <a16:rowId xmlns="" xmlns:a16="http://schemas.microsoft.com/office/drawing/2014/main" val="10001"/>
                   </a:ext>
                 </a:extLst>
               </a:tr>
@@ -12598,7 +12601,7 @@
                 </a:tc>
                 <a:extLst>
                   <a:ext uri="{0D108BD9-81ED-4DB2-BD59-A6C34878D82A}">
-                    <a16:rowId xmlns:a16="http://schemas.microsoft.com/office/drawing/2014/main" xmlns="" val="10002"/>
+                    <a16:rowId xmlns="" xmlns:a16="http://schemas.microsoft.com/office/drawing/2014/main" val="10002"/>
                   </a:ext>
                 </a:extLst>
               </a:tr>
@@ -12637,7 +12640,7 @@
                 </a:tc>
                 <a:extLst>
                   <a:ext uri="{0D108BD9-81ED-4DB2-BD59-A6C34878D82A}">
-                    <a16:rowId xmlns:a16="http://schemas.microsoft.com/office/drawing/2014/main" xmlns="" val="10003"/>
+                    <a16:rowId xmlns="" xmlns:a16="http://schemas.microsoft.com/office/drawing/2014/main" val="10003"/>
                   </a:ext>
                 </a:extLst>
               </a:tr>
@@ -12676,7 +12679,7 @@
                 </a:tc>
                 <a:extLst>
                   <a:ext uri="{0D108BD9-81ED-4DB2-BD59-A6C34878D82A}">
-                    <a16:rowId xmlns:a16="http://schemas.microsoft.com/office/drawing/2014/main" xmlns="" val="10004"/>
+                    <a16:rowId xmlns="" xmlns:a16="http://schemas.microsoft.com/office/drawing/2014/main" val="10004"/>
                   </a:ext>
                 </a:extLst>
               </a:tr>
@@ -12939,7 +12942,7 @@
                 </a:tc>
                 <a:extLst>
                   <a:ext uri="{0D108BD9-81ED-4DB2-BD59-A6C34878D82A}">
-                    <a16:rowId xmlns:a16="http://schemas.microsoft.com/office/drawing/2014/main" xmlns="" val="10005"/>
+                    <a16:rowId xmlns="" xmlns:a16="http://schemas.microsoft.com/office/drawing/2014/main" val="10005"/>
                   </a:ext>
                 </a:extLst>
               </a:tr>
@@ -13013,7 +13016,7 @@
                 </a:tc>
                 <a:extLst>
                   <a:ext uri="{0D108BD9-81ED-4DB2-BD59-A6C34878D82A}">
-                    <a16:rowId xmlns:a16="http://schemas.microsoft.com/office/drawing/2014/main" xmlns="" val="10006"/>
+                    <a16:rowId xmlns="" xmlns:a16="http://schemas.microsoft.com/office/drawing/2014/main" val="10006"/>
                   </a:ext>
                 </a:extLst>
               </a:tr>
@@ -13162,7 +13165,7 @@
                 <a:gridCol w="11026775">
                   <a:extLst>
                     <a:ext uri="{9D8B030D-6E8A-4147-A177-3AD203B41FA5}">
-                      <a16:colId xmlns:a16="http://schemas.microsoft.com/office/drawing/2014/main" xmlns="" val="20000"/>
+                      <a16:colId xmlns="" xmlns:a16="http://schemas.microsoft.com/office/drawing/2014/main" val="20000"/>
                     </a:ext>
                   </a:extLst>
                 </a:gridCol>
@@ -13205,7 +13208,7 @@
                 </a:tc>
                 <a:extLst>
                   <a:ext uri="{0D108BD9-81ED-4DB2-BD59-A6C34878D82A}">
-                    <a16:rowId xmlns:a16="http://schemas.microsoft.com/office/drawing/2014/main" xmlns="" val="10000"/>
+                    <a16:rowId xmlns="" xmlns:a16="http://schemas.microsoft.com/office/drawing/2014/main" val="10000"/>
                   </a:ext>
                 </a:extLst>
               </a:tr>
@@ -13244,7 +13247,7 @@
                 </a:tc>
                 <a:extLst>
                   <a:ext uri="{0D108BD9-81ED-4DB2-BD59-A6C34878D82A}">
-                    <a16:rowId xmlns:a16="http://schemas.microsoft.com/office/drawing/2014/main" xmlns="" val="10001"/>
+                    <a16:rowId xmlns="" xmlns:a16="http://schemas.microsoft.com/office/drawing/2014/main" val="10001"/>
                   </a:ext>
                 </a:extLst>
               </a:tr>
@@ -13283,7 +13286,7 @@
                 </a:tc>
                 <a:extLst>
                   <a:ext uri="{0D108BD9-81ED-4DB2-BD59-A6C34878D82A}">
-                    <a16:rowId xmlns:a16="http://schemas.microsoft.com/office/drawing/2014/main" xmlns="" val="10002"/>
+                    <a16:rowId xmlns="" xmlns:a16="http://schemas.microsoft.com/office/drawing/2014/main" val="10002"/>
                   </a:ext>
                 </a:extLst>
               </a:tr>
@@ -13341,7 +13344,7 @@
                 </a:tc>
                 <a:extLst>
                   <a:ext uri="{0D108BD9-81ED-4DB2-BD59-A6C34878D82A}">
-                    <a16:rowId xmlns:a16="http://schemas.microsoft.com/office/drawing/2014/main" xmlns="" val="10003"/>
+                    <a16:rowId xmlns="" xmlns:a16="http://schemas.microsoft.com/office/drawing/2014/main" val="10003"/>
                   </a:ext>
                 </a:extLst>
               </a:tr>
@@ -13399,7 +13402,7 @@
                 </a:tc>
                 <a:extLst>
                   <a:ext uri="{0D108BD9-81ED-4DB2-BD59-A6C34878D82A}">
-                    <a16:rowId xmlns:a16="http://schemas.microsoft.com/office/drawing/2014/main" xmlns="" val="10004"/>
+                    <a16:rowId xmlns="" xmlns:a16="http://schemas.microsoft.com/office/drawing/2014/main" val="10004"/>
                   </a:ext>
                 </a:extLst>
               </a:tr>
@@ -13457,7 +13460,7 @@
                 </a:tc>
                 <a:extLst>
                   <a:ext uri="{0D108BD9-81ED-4DB2-BD59-A6C34878D82A}">
-                    <a16:rowId xmlns:a16="http://schemas.microsoft.com/office/drawing/2014/main" xmlns="" val="10005"/>
+                    <a16:rowId xmlns="" xmlns:a16="http://schemas.microsoft.com/office/drawing/2014/main" val="10005"/>
                   </a:ext>
                 </a:extLst>
               </a:tr>
@@ -13531,7 +13534,7 @@
                 </a:tc>
                 <a:extLst>
                   <a:ext uri="{0D108BD9-81ED-4DB2-BD59-A6C34878D82A}">
-                    <a16:rowId xmlns:a16="http://schemas.microsoft.com/office/drawing/2014/main" xmlns="" val="10006"/>
+                    <a16:rowId xmlns="" xmlns:a16="http://schemas.microsoft.com/office/drawing/2014/main" val="10006"/>
                   </a:ext>
                 </a:extLst>
               </a:tr>
@@ -13861,7 +13864,7 @@
                 <a:gridCol w="11026775">
                   <a:extLst>
                     <a:ext uri="{9D8B030D-6E8A-4147-A177-3AD203B41FA5}">
-                      <a16:colId xmlns:a16="http://schemas.microsoft.com/office/drawing/2014/main" xmlns="" val="20000"/>
+                      <a16:colId xmlns="" xmlns:a16="http://schemas.microsoft.com/office/drawing/2014/main" val="20000"/>
                     </a:ext>
                   </a:extLst>
                 </a:gridCol>
@@ -13904,7 +13907,7 @@
                 </a:tc>
                 <a:extLst>
                   <a:ext uri="{0D108BD9-81ED-4DB2-BD59-A6C34878D82A}">
-                    <a16:rowId xmlns:a16="http://schemas.microsoft.com/office/drawing/2014/main" xmlns="" val="10000"/>
+                    <a16:rowId xmlns="" xmlns:a16="http://schemas.microsoft.com/office/drawing/2014/main" val="10000"/>
                   </a:ext>
                 </a:extLst>
               </a:tr>
@@ -14004,7 +14007,7 @@
                 </a:tc>
                 <a:extLst>
                   <a:ext uri="{0D108BD9-81ED-4DB2-BD59-A6C34878D82A}">
-                    <a16:rowId xmlns:a16="http://schemas.microsoft.com/office/drawing/2014/main" xmlns="" val="10001"/>
+                    <a16:rowId xmlns="" xmlns:a16="http://schemas.microsoft.com/office/drawing/2014/main" val="10001"/>
                   </a:ext>
                 </a:extLst>
               </a:tr>
@@ -14062,7 +14065,7 @@
                 </a:tc>
                 <a:extLst>
                   <a:ext uri="{0D108BD9-81ED-4DB2-BD59-A6C34878D82A}">
-                    <a16:rowId xmlns:a16="http://schemas.microsoft.com/office/drawing/2014/main" xmlns="" val="10002"/>
+                    <a16:rowId xmlns="" xmlns:a16="http://schemas.microsoft.com/office/drawing/2014/main" val="10002"/>
                   </a:ext>
                 </a:extLst>
               </a:tr>
@@ -14148,7 +14151,7 @@
                 </a:tc>
                 <a:extLst>
                   <a:ext uri="{0D108BD9-81ED-4DB2-BD59-A6C34878D82A}">
-                    <a16:rowId xmlns:a16="http://schemas.microsoft.com/office/drawing/2014/main" xmlns="" val="10003"/>
+                    <a16:rowId xmlns="" xmlns:a16="http://schemas.microsoft.com/office/drawing/2014/main" val="10003"/>
                   </a:ext>
                 </a:extLst>
               </a:tr>
@@ -14305,7 +14308,7 @@
                 <a:gridCol w="11026775">
                   <a:extLst>
                     <a:ext uri="{9D8B030D-6E8A-4147-A177-3AD203B41FA5}">
-                      <a16:colId xmlns:a16="http://schemas.microsoft.com/office/drawing/2014/main" xmlns="" val="20000"/>
+                      <a16:colId xmlns="" xmlns:a16="http://schemas.microsoft.com/office/drawing/2014/main" val="20000"/>
                     </a:ext>
                   </a:extLst>
                 </a:gridCol>
@@ -14348,7 +14351,7 @@
                 </a:tc>
                 <a:extLst>
                   <a:ext uri="{0D108BD9-81ED-4DB2-BD59-A6C34878D82A}">
-                    <a16:rowId xmlns:a16="http://schemas.microsoft.com/office/drawing/2014/main" xmlns="" val="10000"/>
+                    <a16:rowId xmlns="" xmlns:a16="http://schemas.microsoft.com/office/drawing/2014/main" val="10000"/>
                   </a:ext>
                 </a:extLst>
               </a:tr>
@@ -14476,7 +14479,7 @@
                 </a:tc>
                 <a:extLst>
                   <a:ext uri="{0D108BD9-81ED-4DB2-BD59-A6C34878D82A}">
-                    <a16:rowId xmlns:a16="http://schemas.microsoft.com/office/drawing/2014/main" xmlns="" val="10001"/>
+                    <a16:rowId xmlns="" xmlns:a16="http://schemas.microsoft.com/office/drawing/2014/main" val="10001"/>
                   </a:ext>
                 </a:extLst>
               </a:tr>
@@ -14620,7 +14623,7 @@
                 </a:tc>
                 <a:extLst>
                   <a:ext uri="{0D108BD9-81ED-4DB2-BD59-A6C34878D82A}">
-                    <a16:rowId xmlns:a16="http://schemas.microsoft.com/office/drawing/2014/main" xmlns="" val="10002"/>
+                    <a16:rowId xmlns="" xmlns:a16="http://schemas.microsoft.com/office/drawing/2014/main" val="10002"/>
                   </a:ext>
                 </a:extLst>
               </a:tr>
@@ -14765,7 +14768,7 @@
                 <a:gridCol w="11026775">
                   <a:extLst>
                     <a:ext uri="{9D8B030D-6E8A-4147-A177-3AD203B41FA5}">
-                      <a16:colId xmlns:a16="http://schemas.microsoft.com/office/drawing/2014/main" xmlns="" val="20000"/>
+                      <a16:colId xmlns="" xmlns:a16="http://schemas.microsoft.com/office/drawing/2014/main" val="20000"/>
                     </a:ext>
                   </a:extLst>
                 </a:gridCol>
@@ -14808,7 +14811,7 @@
                 </a:tc>
                 <a:extLst>
                   <a:ext uri="{0D108BD9-81ED-4DB2-BD59-A6C34878D82A}">
-                    <a16:rowId xmlns:a16="http://schemas.microsoft.com/office/drawing/2014/main" xmlns="" val="10000"/>
+                    <a16:rowId xmlns="" xmlns:a16="http://schemas.microsoft.com/office/drawing/2014/main" val="10000"/>
                   </a:ext>
                 </a:extLst>
               </a:tr>
@@ -14837,7 +14840,7 @@
                 </a:tc>
                 <a:extLst>
                   <a:ext uri="{0D108BD9-81ED-4DB2-BD59-A6C34878D82A}">
-                    <a16:rowId xmlns:a16="http://schemas.microsoft.com/office/drawing/2014/main" xmlns="" val="10001"/>
+                    <a16:rowId xmlns="" xmlns:a16="http://schemas.microsoft.com/office/drawing/2014/main" val="10001"/>
                   </a:ext>
                 </a:extLst>
               </a:tr>
@@ -14866,7 +14869,7 @@
                 </a:tc>
                 <a:extLst>
                   <a:ext uri="{0D108BD9-81ED-4DB2-BD59-A6C34878D82A}">
-                    <a16:rowId xmlns:a16="http://schemas.microsoft.com/office/drawing/2014/main" xmlns="" val="10002"/>
+                    <a16:rowId xmlns="" xmlns:a16="http://schemas.microsoft.com/office/drawing/2014/main" val="10002"/>
                   </a:ext>
                 </a:extLst>
               </a:tr>
@@ -14895,7 +14898,7 @@
                 </a:tc>
                 <a:extLst>
                   <a:ext uri="{0D108BD9-81ED-4DB2-BD59-A6C34878D82A}">
-                    <a16:rowId xmlns:a16="http://schemas.microsoft.com/office/drawing/2014/main" xmlns="" val="10003"/>
+                    <a16:rowId xmlns="" xmlns:a16="http://schemas.microsoft.com/office/drawing/2014/main" val="10003"/>
                   </a:ext>
                 </a:extLst>
               </a:tr>
@@ -14966,7 +14969,7 @@
                 </a:tc>
                 <a:extLst>
                   <a:ext uri="{0D108BD9-81ED-4DB2-BD59-A6C34878D82A}">
-                    <a16:rowId xmlns:a16="http://schemas.microsoft.com/office/drawing/2014/main" xmlns="" val="10004"/>
+                    <a16:rowId xmlns="" xmlns:a16="http://schemas.microsoft.com/office/drawing/2014/main" val="10004"/>
                   </a:ext>
                 </a:extLst>
               </a:tr>
@@ -15111,7 +15114,7 @@
                 <a:gridCol w="11026775">
                   <a:extLst>
                     <a:ext uri="{9D8B030D-6E8A-4147-A177-3AD203B41FA5}">
-                      <a16:colId xmlns:a16="http://schemas.microsoft.com/office/drawing/2014/main" xmlns="" val="20000"/>
+                      <a16:colId xmlns="" xmlns:a16="http://schemas.microsoft.com/office/drawing/2014/main" val="20000"/>
                     </a:ext>
                   </a:extLst>
                 </a:gridCol>
@@ -15154,7 +15157,7 @@
                 </a:tc>
                 <a:extLst>
                   <a:ext uri="{0D108BD9-81ED-4DB2-BD59-A6C34878D82A}">
-                    <a16:rowId xmlns:a16="http://schemas.microsoft.com/office/drawing/2014/main" xmlns="" val="10000"/>
+                    <a16:rowId xmlns="" xmlns:a16="http://schemas.microsoft.com/office/drawing/2014/main" val="10000"/>
                   </a:ext>
                 </a:extLst>
               </a:tr>
@@ -15183,7 +15186,7 @@
                 </a:tc>
                 <a:extLst>
                   <a:ext uri="{0D108BD9-81ED-4DB2-BD59-A6C34878D82A}">
-                    <a16:rowId xmlns:a16="http://schemas.microsoft.com/office/drawing/2014/main" xmlns="" val="10001"/>
+                    <a16:rowId xmlns="" xmlns:a16="http://schemas.microsoft.com/office/drawing/2014/main" val="10001"/>
                   </a:ext>
                 </a:extLst>
               </a:tr>
@@ -15248,7 +15251,7 @@
                 </a:tc>
                 <a:extLst>
                   <a:ext uri="{0D108BD9-81ED-4DB2-BD59-A6C34878D82A}">
-                    <a16:rowId xmlns:a16="http://schemas.microsoft.com/office/drawing/2014/main" xmlns="" val="10002"/>
+                    <a16:rowId xmlns="" xmlns:a16="http://schemas.microsoft.com/office/drawing/2014/main" val="10002"/>
                   </a:ext>
                 </a:extLst>
               </a:tr>
@@ -15393,7 +15396,7 @@
                 <a:gridCol w="11026775">
                   <a:extLst>
                     <a:ext uri="{9D8B030D-6E8A-4147-A177-3AD203B41FA5}">
-                      <a16:colId xmlns:a16="http://schemas.microsoft.com/office/drawing/2014/main" xmlns="" val="20000"/>
+                      <a16:colId xmlns="" xmlns:a16="http://schemas.microsoft.com/office/drawing/2014/main" val="20000"/>
                     </a:ext>
                   </a:extLst>
                 </a:gridCol>
@@ -15436,7 +15439,7 @@
                 </a:tc>
                 <a:extLst>
                   <a:ext uri="{0D108BD9-81ED-4DB2-BD59-A6C34878D82A}">
-                    <a16:rowId xmlns:a16="http://schemas.microsoft.com/office/drawing/2014/main" xmlns="" val="10000"/>
+                    <a16:rowId xmlns="" xmlns:a16="http://schemas.microsoft.com/office/drawing/2014/main" val="10000"/>
                   </a:ext>
                 </a:extLst>
               </a:tr>
@@ -15477,7 +15480,7 @@
                 </a:tc>
                 <a:extLst>
                   <a:ext uri="{0D108BD9-81ED-4DB2-BD59-A6C34878D82A}">
-                    <a16:rowId xmlns:a16="http://schemas.microsoft.com/office/drawing/2014/main" xmlns="" val="10001"/>
+                    <a16:rowId xmlns="" xmlns:a16="http://schemas.microsoft.com/office/drawing/2014/main" val="10001"/>
                   </a:ext>
                 </a:extLst>
               </a:tr>
@@ -15506,7 +15509,7 @@
                 </a:tc>
                 <a:extLst>
                   <a:ext uri="{0D108BD9-81ED-4DB2-BD59-A6C34878D82A}">
-                    <a16:rowId xmlns:a16="http://schemas.microsoft.com/office/drawing/2014/main" xmlns="" val="10002"/>
+                    <a16:rowId xmlns="" xmlns:a16="http://schemas.microsoft.com/office/drawing/2014/main" val="10002"/>
                   </a:ext>
                 </a:extLst>
               </a:tr>
@@ -15543,7 +15546,7 @@
                 </a:tc>
                 <a:extLst>
                   <a:ext uri="{0D108BD9-81ED-4DB2-BD59-A6C34878D82A}">
-                    <a16:rowId xmlns:a16="http://schemas.microsoft.com/office/drawing/2014/main" xmlns="" val="10003"/>
+                    <a16:rowId xmlns="" xmlns:a16="http://schemas.microsoft.com/office/drawing/2014/main" val="10003"/>
                   </a:ext>
                 </a:extLst>
               </a:tr>
@@ -15688,7 +15691,7 @@
                 <a:gridCol w="11026775">
                   <a:extLst>
                     <a:ext uri="{9D8B030D-6E8A-4147-A177-3AD203B41FA5}">
-                      <a16:colId xmlns:a16="http://schemas.microsoft.com/office/drawing/2014/main" xmlns="" val="20000"/>
+                      <a16:colId xmlns="" xmlns:a16="http://schemas.microsoft.com/office/drawing/2014/main" val="20000"/>
                     </a:ext>
                   </a:extLst>
                 </a:gridCol>
@@ -15731,7 +15734,7 @@
                 </a:tc>
                 <a:extLst>
                   <a:ext uri="{0D108BD9-81ED-4DB2-BD59-A6C34878D82A}">
-                    <a16:rowId xmlns:a16="http://schemas.microsoft.com/office/drawing/2014/main" xmlns="" val="10000"/>
+                    <a16:rowId xmlns="" xmlns:a16="http://schemas.microsoft.com/office/drawing/2014/main" val="10000"/>
                   </a:ext>
                 </a:extLst>
               </a:tr>
@@ -15760,7 +15763,7 @@
                 </a:tc>
                 <a:extLst>
                   <a:ext uri="{0D108BD9-81ED-4DB2-BD59-A6C34878D82A}">
-                    <a16:rowId xmlns:a16="http://schemas.microsoft.com/office/drawing/2014/main" xmlns="" val="10001"/>
+                    <a16:rowId xmlns="" xmlns:a16="http://schemas.microsoft.com/office/drawing/2014/main" val="10001"/>
                   </a:ext>
                 </a:extLst>
               </a:tr>
@@ -15789,7 +15792,7 @@
                 </a:tc>
                 <a:extLst>
                   <a:ext uri="{0D108BD9-81ED-4DB2-BD59-A6C34878D82A}">
-                    <a16:rowId xmlns:a16="http://schemas.microsoft.com/office/drawing/2014/main" xmlns="" val="10002"/>
+                    <a16:rowId xmlns="" xmlns:a16="http://schemas.microsoft.com/office/drawing/2014/main" val="10002"/>
                   </a:ext>
                 </a:extLst>
               </a:tr>
@@ -15813,7 +15816,7 @@
                 </a:tc>
                 <a:extLst>
                   <a:ext uri="{0D108BD9-81ED-4DB2-BD59-A6C34878D82A}">
-                    <a16:rowId xmlns:a16="http://schemas.microsoft.com/office/drawing/2014/main" xmlns="" val="10003"/>
+                    <a16:rowId xmlns="" xmlns:a16="http://schemas.microsoft.com/office/drawing/2014/main" val="10003"/>
                   </a:ext>
                 </a:extLst>
               </a:tr>
@@ -15837,7 +15840,7 @@
                 </a:tc>
                 <a:extLst>
                   <a:ext uri="{0D108BD9-81ED-4DB2-BD59-A6C34878D82A}">
-                    <a16:rowId xmlns:a16="http://schemas.microsoft.com/office/drawing/2014/main" xmlns="" val="10004"/>
+                    <a16:rowId xmlns="" xmlns:a16="http://schemas.microsoft.com/office/drawing/2014/main" val="10004"/>
                   </a:ext>
                 </a:extLst>
               </a:tr>
@@ -15982,7 +15985,7 @@
                 <a:gridCol w="11026775">
                   <a:extLst>
                     <a:ext uri="{9D8B030D-6E8A-4147-A177-3AD203B41FA5}">
-                      <a16:colId xmlns:a16="http://schemas.microsoft.com/office/drawing/2014/main" xmlns="" val="20000"/>
+                      <a16:colId xmlns="" xmlns:a16="http://schemas.microsoft.com/office/drawing/2014/main" val="20000"/>
                     </a:ext>
                   </a:extLst>
                 </a:gridCol>
@@ -16025,7 +16028,7 @@
                 </a:tc>
                 <a:extLst>
                   <a:ext uri="{0D108BD9-81ED-4DB2-BD59-A6C34878D82A}">
-                    <a16:rowId xmlns:a16="http://schemas.microsoft.com/office/drawing/2014/main" xmlns="" val="10000"/>
+                    <a16:rowId xmlns="" xmlns:a16="http://schemas.microsoft.com/office/drawing/2014/main" val="10000"/>
                   </a:ext>
                 </a:extLst>
               </a:tr>
@@ -16073,7 +16076,7 @@
                 </a:tc>
                 <a:extLst>
                   <a:ext uri="{0D108BD9-81ED-4DB2-BD59-A6C34878D82A}">
-                    <a16:rowId xmlns:a16="http://schemas.microsoft.com/office/drawing/2014/main" xmlns="" val="10001"/>
+                    <a16:rowId xmlns="" xmlns:a16="http://schemas.microsoft.com/office/drawing/2014/main" val="10001"/>
                   </a:ext>
                 </a:extLst>
               </a:tr>
@@ -16102,7 +16105,7 @@
                 </a:tc>
                 <a:extLst>
                   <a:ext uri="{0D108BD9-81ED-4DB2-BD59-A6C34878D82A}">
-                    <a16:rowId xmlns:a16="http://schemas.microsoft.com/office/drawing/2014/main" xmlns="" val="10002"/>
+                    <a16:rowId xmlns="" xmlns:a16="http://schemas.microsoft.com/office/drawing/2014/main" val="10002"/>
                   </a:ext>
                 </a:extLst>
               </a:tr>
@@ -16143,7 +16146,7 @@
                 </a:tc>
                 <a:extLst>
                   <a:ext uri="{0D108BD9-81ED-4DB2-BD59-A6C34878D82A}">
-                    <a16:rowId xmlns:a16="http://schemas.microsoft.com/office/drawing/2014/main" xmlns="" val="10003"/>
+                    <a16:rowId xmlns="" xmlns:a16="http://schemas.microsoft.com/office/drawing/2014/main" val="10003"/>
                   </a:ext>
                 </a:extLst>
               </a:tr>
@@ -16292,7 +16295,7 @@
                 <a:gridCol w="11026775">
                   <a:extLst>
                     <a:ext uri="{9D8B030D-6E8A-4147-A177-3AD203B41FA5}">
-                      <a16:colId xmlns:a16="http://schemas.microsoft.com/office/drawing/2014/main" xmlns="" val="20000"/>
+                      <a16:colId xmlns="" xmlns:a16="http://schemas.microsoft.com/office/drawing/2014/main" val="20000"/>
                     </a:ext>
                   </a:extLst>
                 </a:gridCol>
@@ -16335,7 +16338,7 @@
                 </a:tc>
                 <a:extLst>
                   <a:ext uri="{0D108BD9-81ED-4DB2-BD59-A6C34878D82A}">
-                    <a16:rowId xmlns:a16="http://schemas.microsoft.com/office/drawing/2014/main" xmlns="" val="10000"/>
+                    <a16:rowId xmlns="" xmlns:a16="http://schemas.microsoft.com/office/drawing/2014/main" val="10000"/>
                   </a:ext>
                 </a:extLst>
               </a:tr>
@@ -16360,7 +16363,7 @@
                 </a:tc>
                 <a:extLst>
                   <a:ext uri="{0D108BD9-81ED-4DB2-BD59-A6C34878D82A}">
-                    <a16:rowId xmlns:a16="http://schemas.microsoft.com/office/drawing/2014/main" xmlns="" val="10001"/>
+                    <a16:rowId xmlns="" xmlns:a16="http://schemas.microsoft.com/office/drawing/2014/main" val="10001"/>
                   </a:ext>
                 </a:extLst>
               </a:tr>
@@ -16413,7 +16416,7 @@
                 </a:tc>
                 <a:extLst>
                   <a:ext uri="{0D108BD9-81ED-4DB2-BD59-A6C34878D82A}">
-                    <a16:rowId xmlns:a16="http://schemas.microsoft.com/office/drawing/2014/main" xmlns="" val="10002"/>
+                    <a16:rowId xmlns="" xmlns:a16="http://schemas.microsoft.com/office/drawing/2014/main" val="10002"/>
                   </a:ext>
                 </a:extLst>
               </a:tr>
@@ -16442,7 +16445,7 @@
                 </a:tc>
                 <a:extLst>
                   <a:ext uri="{0D108BD9-81ED-4DB2-BD59-A6C34878D82A}">
-                    <a16:rowId xmlns:a16="http://schemas.microsoft.com/office/drawing/2014/main" xmlns="" val="10003"/>
+                    <a16:rowId xmlns="" xmlns:a16="http://schemas.microsoft.com/office/drawing/2014/main" val="10003"/>
                   </a:ext>
                 </a:extLst>
               </a:tr>
@@ -16471,7 +16474,7 @@
                 </a:tc>
                 <a:extLst>
                   <a:ext uri="{0D108BD9-81ED-4DB2-BD59-A6C34878D82A}">
-                    <a16:rowId xmlns:a16="http://schemas.microsoft.com/office/drawing/2014/main" xmlns="" val="10004"/>
+                    <a16:rowId xmlns="" xmlns:a16="http://schemas.microsoft.com/office/drawing/2014/main" val="10004"/>
                   </a:ext>
                 </a:extLst>
               </a:tr>
@@ -16495,7 +16498,7 @@
                 </a:tc>
                 <a:extLst>
                   <a:ext uri="{0D108BD9-81ED-4DB2-BD59-A6C34878D82A}">
-                    <a16:rowId xmlns:a16="http://schemas.microsoft.com/office/drawing/2014/main" xmlns="" val="1588535107"/>
+                    <a16:rowId xmlns="" xmlns:a16="http://schemas.microsoft.com/office/drawing/2014/main" val="1588535107"/>
                   </a:ext>
                 </a:extLst>
               </a:tr>
@@ -16644,7 +16647,7 @@
                 <a:gridCol w="11026775">
                   <a:extLst>
                     <a:ext uri="{9D8B030D-6E8A-4147-A177-3AD203B41FA5}">
-                      <a16:colId xmlns:a16="http://schemas.microsoft.com/office/drawing/2014/main" xmlns="" val="20000"/>
+                      <a16:colId xmlns="" xmlns:a16="http://schemas.microsoft.com/office/drawing/2014/main" val="20000"/>
                     </a:ext>
                   </a:extLst>
                 </a:gridCol>
@@ -16687,7 +16690,7 @@
                 </a:tc>
                 <a:extLst>
                   <a:ext uri="{0D108BD9-81ED-4DB2-BD59-A6C34878D82A}">
-                    <a16:rowId xmlns:a16="http://schemas.microsoft.com/office/drawing/2014/main" xmlns="" val="10000"/>
+                    <a16:rowId xmlns="" xmlns:a16="http://schemas.microsoft.com/office/drawing/2014/main" val="10000"/>
                   </a:ext>
                 </a:extLst>
               </a:tr>
@@ -16716,7 +16719,7 @@
                 </a:tc>
                 <a:extLst>
                   <a:ext uri="{0D108BD9-81ED-4DB2-BD59-A6C34878D82A}">
-                    <a16:rowId xmlns:a16="http://schemas.microsoft.com/office/drawing/2014/main" xmlns="" val="10006"/>
+                    <a16:rowId xmlns="" xmlns:a16="http://schemas.microsoft.com/office/drawing/2014/main" val="10006"/>
                   </a:ext>
                 </a:extLst>
               </a:tr>
@@ -16740,7 +16743,7 @@
                 </a:tc>
                 <a:extLst>
                   <a:ext uri="{0D108BD9-81ED-4DB2-BD59-A6C34878D82A}">
-                    <a16:rowId xmlns:a16="http://schemas.microsoft.com/office/drawing/2014/main" xmlns="" val="10007"/>
+                    <a16:rowId xmlns="" xmlns:a16="http://schemas.microsoft.com/office/drawing/2014/main" val="10007"/>
                   </a:ext>
                 </a:extLst>
               </a:tr>
@@ -16769,7 +16772,7 @@
                 </a:tc>
                 <a:extLst>
                   <a:ext uri="{0D108BD9-81ED-4DB2-BD59-A6C34878D82A}">
-                    <a16:rowId xmlns:a16="http://schemas.microsoft.com/office/drawing/2014/main" xmlns="" val="10008"/>
+                    <a16:rowId xmlns="" xmlns:a16="http://schemas.microsoft.com/office/drawing/2014/main" val="10008"/>
                   </a:ext>
                 </a:extLst>
               </a:tr>
@@ -16811,7 +16814,7 @@
                 </a:tc>
                 <a:extLst>
                   <a:ext uri="{0D108BD9-81ED-4DB2-BD59-A6C34878D82A}">
-                    <a16:rowId xmlns:a16="http://schemas.microsoft.com/office/drawing/2014/main" xmlns="" val="10009"/>
+                    <a16:rowId xmlns="" xmlns:a16="http://schemas.microsoft.com/office/drawing/2014/main" val="10009"/>
                   </a:ext>
                 </a:extLst>
               </a:tr>
@@ -16956,7 +16959,7 @@
                 <a:gridCol w="11026775">
                   <a:extLst>
                     <a:ext uri="{9D8B030D-6E8A-4147-A177-3AD203B41FA5}">
-                      <a16:colId xmlns:a16="http://schemas.microsoft.com/office/drawing/2014/main" xmlns="" val="20000"/>
+                      <a16:colId xmlns="" xmlns:a16="http://schemas.microsoft.com/office/drawing/2014/main" val="20000"/>
                     </a:ext>
                   </a:extLst>
                 </a:gridCol>
@@ -16999,7 +17002,7 @@
                 </a:tc>
                 <a:extLst>
                   <a:ext uri="{0D108BD9-81ED-4DB2-BD59-A6C34878D82A}">
-                    <a16:rowId xmlns:a16="http://schemas.microsoft.com/office/drawing/2014/main" xmlns="" val="10000"/>
+                    <a16:rowId xmlns="" xmlns:a16="http://schemas.microsoft.com/office/drawing/2014/main" val="10000"/>
                   </a:ext>
                 </a:extLst>
               </a:tr>
@@ -17023,7 +17026,7 @@
                 </a:tc>
                 <a:extLst>
                   <a:ext uri="{0D108BD9-81ED-4DB2-BD59-A6C34878D82A}">
-                    <a16:rowId xmlns:a16="http://schemas.microsoft.com/office/drawing/2014/main" xmlns="" val="10001"/>
+                    <a16:rowId xmlns="" xmlns:a16="http://schemas.microsoft.com/office/drawing/2014/main" val="10001"/>
                   </a:ext>
                 </a:extLst>
               </a:tr>
@@ -17052,7 +17055,7 @@
                 </a:tc>
                 <a:extLst>
                   <a:ext uri="{0D108BD9-81ED-4DB2-BD59-A6C34878D82A}">
-                    <a16:rowId xmlns:a16="http://schemas.microsoft.com/office/drawing/2014/main" xmlns="" val="10002"/>
+                    <a16:rowId xmlns="" xmlns:a16="http://schemas.microsoft.com/office/drawing/2014/main" val="10002"/>
                   </a:ext>
                 </a:extLst>
               </a:tr>
@@ -17076,7 +17079,7 @@
                 </a:tc>
                 <a:extLst>
                   <a:ext uri="{0D108BD9-81ED-4DB2-BD59-A6C34878D82A}">
-                    <a16:rowId xmlns:a16="http://schemas.microsoft.com/office/drawing/2014/main" xmlns="" val="10003"/>
+                    <a16:rowId xmlns="" xmlns:a16="http://schemas.microsoft.com/office/drawing/2014/main" val="10003"/>
                   </a:ext>
                 </a:extLst>
               </a:tr>
@@ -17112,7 +17115,7 @@
                 </a:tc>
                 <a:extLst>
                   <a:ext uri="{0D108BD9-81ED-4DB2-BD59-A6C34878D82A}">
-                    <a16:rowId xmlns:a16="http://schemas.microsoft.com/office/drawing/2014/main" xmlns="" val="10004"/>
+                    <a16:rowId xmlns="" xmlns:a16="http://schemas.microsoft.com/office/drawing/2014/main" val="10004"/>
                   </a:ext>
                 </a:extLst>
               </a:tr>
@@ -17674,7 +17677,7 @@
                 <a:gridCol w="11026775">
                   <a:extLst>
                     <a:ext uri="{9D8B030D-6E8A-4147-A177-3AD203B41FA5}">
-                      <a16:colId xmlns:a16="http://schemas.microsoft.com/office/drawing/2014/main" xmlns="" val="20000"/>
+                      <a16:colId xmlns="" xmlns:a16="http://schemas.microsoft.com/office/drawing/2014/main" val="20000"/>
                     </a:ext>
                   </a:extLst>
                 </a:gridCol>
@@ -17700,7 +17703,7 @@
                 </a:tc>
                 <a:extLst>
                   <a:ext uri="{0D108BD9-81ED-4DB2-BD59-A6C34878D82A}">
-                    <a16:rowId xmlns:a16="http://schemas.microsoft.com/office/drawing/2014/main" xmlns="" val="10000"/>
+                    <a16:rowId xmlns="" xmlns:a16="http://schemas.microsoft.com/office/drawing/2014/main" val="10000"/>
                   </a:ext>
                 </a:extLst>
               </a:tr>
@@ -17733,7 +17736,7 @@
                 </a:tc>
                 <a:extLst>
                   <a:ext uri="{0D108BD9-81ED-4DB2-BD59-A6C34878D82A}">
-                    <a16:rowId xmlns:a16="http://schemas.microsoft.com/office/drawing/2014/main" xmlns="" val="10001"/>
+                    <a16:rowId xmlns="" xmlns:a16="http://schemas.microsoft.com/office/drawing/2014/main" val="10001"/>
                   </a:ext>
                 </a:extLst>
               </a:tr>
@@ -17762,7 +17765,7 @@
                 </a:tc>
                 <a:extLst>
                   <a:ext uri="{0D108BD9-81ED-4DB2-BD59-A6C34878D82A}">
-                    <a16:rowId xmlns:a16="http://schemas.microsoft.com/office/drawing/2014/main" xmlns="" val="10002"/>
+                    <a16:rowId xmlns="" xmlns:a16="http://schemas.microsoft.com/office/drawing/2014/main" val="10002"/>
                   </a:ext>
                 </a:extLst>
               </a:tr>
@@ -17794,7 +17797,7 @@
                 </a:tc>
                 <a:extLst>
                   <a:ext uri="{0D108BD9-81ED-4DB2-BD59-A6C34878D82A}">
-                    <a16:rowId xmlns:a16="http://schemas.microsoft.com/office/drawing/2014/main" xmlns="" val="10003"/>
+                    <a16:rowId xmlns="" xmlns:a16="http://schemas.microsoft.com/office/drawing/2014/main" val="10003"/>
                   </a:ext>
                 </a:extLst>
               </a:tr>
@@ -17831,7 +17834,7 @@
                 </a:tc>
                 <a:extLst>
                   <a:ext uri="{0D108BD9-81ED-4DB2-BD59-A6C34878D82A}">
-                    <a16:rowId xmlns:a16="http://schemas.microsoft.com/office/drawing/2014/main" xmlns="" val="327251671"/>
+                    <a16:rowId xmlns="" xmlns:a16="http://schemas.microsoft.com/office/drawing/2014/main" val="327251671"/>
                   </a:ext>
                 </a:extLst>
               </a:tr>
@@ -17868,7 +17871,7 @@
                 </a:tc>
                 <a:extLst>
                   <a:ext uri="{0D108BD9-81ED-4DB2-BD59-A6C34878D82A}">
-                    <a16:rowId xmlns:a16="http://schemas.microsoft.com/office/drawing/2014/main" xmlns="" val="490794899"/>
+                    <a16:rowId xmlns="" xmlns:a16="http://schemas.microsoft.com/office/drawing/2014/main" val="490794899"/>
                   </a:ext>
                 </a:extLst>
               </a:tr>
@@ -18005,7 +18008,7 @@
                 <a:gridCol w="11026775">
                   <a:extLst>
                     <a:ext uri="{9D8B030D-6E8A-4147-A177-3AD203B41FA5}">
-                      <a16:colId xmlns:a16="http://schemas.microsoft.com/office/drawing/2014/main" xmlns="" val="20000"/>
+                      <a16:colId xmlns="" xmlns:a16="http://schemas.microsoft.com/office/drawing/2014/main" val="20000"/>
                     </a:ext>
                   </a:extLst>
                 </a:gridCol>
@@ -18031,7 +18034,7 @@
                 </a:tc>
                 <a:extLst>
                   <a:ext uri="{0D108BD9-81ED-4DB2-BD59-A6C34878D82A}">
-                    <a16:rowId xmlns:a16="http://schemas.microsoft.com/office/drawing/2014/main" xmlns="" val="10000"/>
+                    <a16:rowId xmlns="" xmlns:a16="http://schemas.microsoft.com/office/drawing/2014/main" val="10000"/>
                   </a:ext>
                 </a:extLst>
               </a:tr>
@@ -18068,7 +18071,7 @@
                 </a:tc>
                 <a:extLst>
                   <a:ext uri="{0D108BD9-81ED-4DB2-BD59-A6C34878D82A}">
-                    <a16:rowId xmlns:a16="http://schemas.microsoft.com/office/drawing/2014/main" xmlns="" val="10001"/>
+                    <a16:rowId xmlns="" xmlns:a16="http://schemas.microsoft.com/office/drawing/2014/main" val="10001"/>
                   </a:ext>
                 </a:extLst>
               </a:tr>
@@ -18101,7 +18104,7 @@
                 </a:tc>
                 <a:extLst>
                   <a:ext uri="{0D108BD9-81ED-4DB2-BD59-A6C34878D82A}">
-                    <a16:rowId xmlns:a16="http://schemas.microsoft.com/office/drawing/2014/main" xmlns="" val="10002"/>
+                    <a16:rowId xmlns="" xmlns:a16="http://schemas.microsoft.com/office/drawing/2014/main" val="10002"/>
                   </a:ext>
                 </a:extLst>
               </a:tr>
@@ -18134,7 +18137,7 @@
                 </a:tc>
                 <a:extLst>
                   <a:ext uri="{0D108BD9-81ED-4DB2-BD59-A6C34878D82A}">
-                    <a16:rowId xmlns:a16="http://schemas.microsoft.com/office/drawing/2014/main" xmlns="" val="10003"/>
+                    <a16:rowId xmlns="" xmlns:a16="http://schemas.microsoft.com/office/drawing/2014/main" val="10003"/>
                   </a:ext>
                 </a:extLst>
               </a:tr>
@@ -18167,7 +18170,7 @@
                 </a:tc>
                 <a:extLst>
                   <a:ext uri="{0D108BD9-81ED-4DB2-BD59-A6C34878D82A}">
-                    <a16:rowId xmlns:a16="http://schemas.microsoft.com/office/drawing/2014/main" xmlns="" val="327251671"/>
+                    <a16:rowId xmlns="" xmlns:a16="http://schemas.microsoft.com/office/drawing/2014/main" val="327251671"/>
                   </a:ext>
                 </a:extLst>
               </a:tr>
@@ -18200,7 +18203,7 @@
                 </a:tc>
                 <a:extLst>
                   <a:ext uri="{0D108BD9-81ED-4DB2-BD59-A6C34878D82A}">
-                    <a16:rowId xmlns:a16="http://schemas.microsoft.com/office/drawing/2014/main" xmlns="" val="490794899"/>
+                    <a16:rowId xmlns="" xmlns:a16="http://schemas.microsoft.com/office/drawing/2014/main" val="490794899"/>
                   </a:ext>
                 </a:extLst>
               </a:tr>
@@ -18345,7 +18348,7 @@
                 <a:gridCol w="11026775">
                   <a:extLst>
                     <a:ext uri="{9D8B030D-6E8A-4147-A177-3AD203B41FA5}">
-                      <a16:colId xmlns:a16="http://schemas.microsoft.com/office/drawing/2014/main" xmlns="" val="20000"/>
+                      <a16:colId xmlns="" xmlns:a16="http://schemas.microsoft.com/office/drawing/2014/main" val="20000"/>
                     </a:ext>
                   </a:extLst>
                 </a:gridCol>
@@ -18371,7 +18374,7 @@
                 </a:tc>
                 <a:extLst>
                   <a:ext uri="{0D108BD9-81ED-4DB2-BD59-A6C34878D82A}">
-                    <a16:rowId xmlns:a16="http://schemas.microsoft.com/office/drawing/2014/main" xmlns="" val="10000"/>
+                    <a16:rowId xmlns="" xmlns:a16="http://schemas.microsoft.com/office/drawing/2014/main" val="10000"/>
                   </a:ext>
                 </a:extLst>
               </a:tr>
@@ -18404,7 +18407,7 @@
                 </a:tc>
                 <a:extLst>
                   <a:ext uri="{0D108BD9-81ED-4DB2-BD59-A6C34878D82A}">
-                    <a16:rowId xmlns:a16="http://schemas.microsoft.com/office/drawing/2014/main" xmlns="" val="1407325262"/>
+                    <a16:rowId xmlns="" xmlns:a16="http://schemas.microsoft.com/office/drawing/2014/main" val="1407325262"/>
                   </a:ext>
                 </a:extLst>
               </a:tr>
@@ -18437,7 +18440,7 @@
                 </a:tc>
                 <a:extLst>
                   <a:ext uri="{0D108BD9-81ED-4DB2-BD59-A6C34878D82A}">
-                    <a16:rowId xmlns:a16="http://schemas.microsoft.com/office/drawing/2014/main" xmlns="" val="3693326253"/>
+                    <a16:rowId xmlns="" xmlns:a16="http://schemas.microsoft.com/office/drawing/2014/main" val="3693326253"/>
                   </a:ext>
                 </a:extLst>
               </a:tr>
@@ -18474,7 +18477,7 @@
                 </a:tc>
                 <a:extLst>
                   <a:ext uri="{0D108BD9-81ED-4DB2-BD59-A6C34878D82A}">
-                    <a16:rowId xmlns:a16="http://schemas.microsoft.com/office/drawing/2014/main" xmlns="" val="3457045245"/>
+                    <a16:rowId xmlns="" xmlns:a16="http://schemas.microsoft.com/office/drawing/2014/main" val="3457045245"/>
                   </a:ext>
                 </a:extLst>
               </a:tr>
@@ -18511,7 +18514,7 @@
                 </a:tc>
                 <a:extLst>
                   <a:ext uri="{0D108BD9-81ED-4DB2-BD59-A6C34878D82A}">
-                    <a16:rowId xmlns:a16="http://schemas.microsoft.com/office/drawing/2014/main" xmlns="" val="1363194075"/>
+                    <a16:rowId xmlns="" xmlns:a16="http://schemas.microsoft.com/office/drawing/2014/main" val="1363194075"/>
                   </a:ext>
                 </a:extLst>
               </a:tr>
@@ -18648,7 +18651,7 @@
                 <a:gridCol w="11026775">
                   <a:extLst>
                     <a:ext uri="{9D8B030D-6E8A-4147-A177-3AD203B41FA5}">
-                      <a16:colId xmlns:a16="http://schemas.microsoft.com/office/drawing/2014/main" xmlns="" val="20000"/>
+                      <a16:colId xmlns="" xmlns:a16="http://schemas.microsoft.com/office/drawing/2014/main" val="20000"/>
                     </a:ext>
                   </a:extLst>
                 </a:gridCol>
@@ -18679,7 +18682,7 @@
                 </a:tc>
                 <a:extLst>
                   <a:ext uri="{0D108BD9-81ED-4DB2-BD59-A6C34878D82A}">
-                    <a16:rowId xmlns:a16="http://schemas.microsoft.com/office/drawing/2014/main" xmlns="" val="10000"/>
+                    <a16:rowId xmlns="" xmlns:a16="http://schemas.microsoft.com/office/drawing/2014/main" val="10000"/>
                   </a:ext>
                 </a:extLst>
               </a:tr>
@@ -18703,7 +18706,7 @@
                 </a:tc>
                 <a:extLst>
                   <a:ext uri="{0D108BD9-81ED-4DB2-BD59-A6C34878D82A}">
-                    <a16:rowId xmlns:a16="http://schemas.microsoft.com/office/drawing/2014/main" xmlns="" val="10001"/>
+                    <a16:rowId xmlns="" xmlns:a16="http://schemas.microsoft.com/office/drawing/2014/main" val="10001"/>
                   </a:ext>
                 </a:extLst>
               </a:tr>
@@ -18840,7 +18843,7 @@
                 <a:gridCol w="11026775">
                   <a:extLst>
                     <a:ext uri="{9D8B030D-6E8A-4147-A177-3AD203B41FA5}">
-                      <a16:colId xmlns:a16="http://schemas.microsoft.com/office/drawing/2014/main" xmlns="" val="20000"/>
+                      <a16:colId xmlns="" xmlns:a16="http://schemas.microsoft.com/office/drawing/2014/main" val="20000"/>
                     </a:ext>
                   </a:extLst>
                 </a:gridCol>
@@ -18866,7 +18869,7 @@
                 </a:tc>
                 <a:extLst>
                   <a:ext uri="{0D108BD9-81ED-4DB2-BD59-A6C34878D82A}">
-                    <a16:rowId xmlns:a16="http://schemas.microsoft.com/office/drawing/2014/main" xmlns="" val="10000"/>
+                    <a16:rowId xmlns="" xmlns:a16="http://schemas.microsoft.com/office/drawing/2014/main" val="10000"/>
                   </a:ext>
                 </a:extLst>
               </a:tr>
@@ -18890,7 +18893,7 @@
                 </a:tc>
                 <a:extLst>
                   <a:ext uri="{0D108BD9-81ED-4DB2-BD59-A6C34878D82A}">
-                    <a16:rowId xmlns:a16="http://schemas.microsoft.com/office/drawing/2014/main" xmlns="" val="10001"/>
+                    <a16:rowId xmlns="" xmlns:a16="http://schemas.microsoft.com/office/drawing/2014/main" val="10001"/>
                   </a:ext>
                 </a:extLst>
               </a:tr>
@@ -19027,7 +19030,7 @@
                 <a:gridCol w="11026775">
                   <a:extLst>
                     <a:ext uri="{9D8B030D-6E8A-4147-A177-3AD203B41FA5}">
-                      <a16:colId xmlns:a16="http://schemas.microsoft.com/office/drawing/2014/main" xmlns="" val="20000"/>
+                      <a16:colId xmlns="" xmlns:a16="http://schemas.microsoft.com/office/drawing/2014/main" val="20000"/>
                     </a:ext>
                   </a:extLst>
                 </a:gridCol>
@@ -19061,7 +19064,7 @@
                 </a:tc>
                 <a:extLst>
                   <a:ext uri="{0D108BD9-81ED-4DB2-BD59-A6C34878D82A}">
-                    <a16:rowId xmlns:a16="http://schemas.microsoft.com/office/drawing/2014/main" xmlns="" val="10000"/>
+                    <a16:rowId xmlns="" xmlns:a16="http://schemas.microsoft.com/office/drawing/2014/main" val="10000"/>
                   </a:ext>
                 </a:extLst>
               </a:tr>
@@ -19094,7 +19097,7 @@
                 </a:tc>
                 <a:extLst>
                   <a:ext uri="{0D108BD9-81ED-4DB2-BD59-A6C34878D82A}">
-                    <a16:rowId xmlns:a16="http://schemas.microsoft.com/office/drawing/2014/main" xmlns="" val="10001"/>
+                    <a16:rowId xmlns="" xmlns:a16="http://schemas.microsoft.com/office/drawing/2014/main" val="10001"/>
                   </a:ext>
                 </a:extLst>
               </a:tr>
@@ -19135,7 +19138,7 @@
                 </a:tc>
                 <a:extLst>
                   <a:ext uri="{0D108BD9-81ED-4DB2-BD59-A6C34878D82A}">
-                    <a16:rowId xmlns:a16="http://schemas.microsoft.com/office/drawing/2014/main" xmlns="" val="10002"/>
+                    <a16:rowId xmlns="" xmlns:a16="http://schemas.microsoft.com/office/drawing/2014/main" val="10002"/>
                   </a:ext>
                 </a:extLst>
               </a:tr>
@@ -19168,7 +19171,7 @@
                 </a:tc>
                 <a:extLst>
                   <a:ext uri="{0D108BD9-81ED-4DB2-BD59-A6C34878D82A}">
-                    <a16:rowId xmlns:a16="http://schemas.microsoft.com/office/drawing/2014/main" xmlns="" val="10003"/>
+                    <a16:rowId xmlns="" xmlns:a16="http://schemas.microsoft.com/office/drawing/2014/main" val="10003"/>
                   </a:ext>
                 </a:extLst>
               </a:tr>
@@ -19313,7 +19316,7 @@
                 <a:gridCol w="11026775">
                   <a:extLst>
                     <a:ext uri="{9D8B030D-6E8A-4147-A177-3AD203B41FA5}">
-                      <a16:colId xmlns:a16="http://schemas.microsoft.com/office/drawing/2014/main" xmlns="" val="20000"/>
+                      <a16:colId xmlns="" xmlns:a16="http://schemas.microsoft.com/office/drawing/2014/main" val="20000"/>
                     </a:ext>
                   </a:extLst>
                 </a:gridCol>
@@ -19347,7 +19350,7 @@
                 </a:tc>
                 <a:extLst>
                   <a:ext uri="{0D108BD9-81ED-4DB2-BD59-A6C34878D82A}">
-                    <a16:rowId xmlns:a16="http://schemas.microsoft.com/office/drawing/2014/main" xmlns="" val="10000"/>
+                    <a16:rowId xmlns="" xmlns:a16="http://schemas.microsoft.com/office/drawing/2014/main" val="10000"/>
                   </a:ext>
                 </a:extLst>
               </a:tr>
@@ -19388,7 +19391,7 @@
                 </a:tc>
                 <a:extLst>
                   <a:ext uri="{0D108BD9-81ED-4DB2-BD59-A6C34878D82A}">
-                    <a16:rowId xmlns:a16="http://schemas.microsoft.com/office/drawing/2014/main" xmlns="" val="10001"/>
+                    <a16:rowId xmlns="" xmlns:a16="http://schemas.microsoft.com/office/drawing/2014/main" val="10001"/>
                   </a:ext>
                 </a:extLst>
               </a:tr>
@@ -19421,7 +19424,7 @@
                 </a:tc>
                 <a:extLst>
                   <a:ext uri="{0D108BD9-81ED-4DB2-BD59-A6C34878D82A}">
-                    <a16:rowId xmlns:a16="http://schemas.microsoft.com/office/drawing/2014/main" xmlns="" val="10002"/>
+                    <a16:rowId xmlns="" xmlns:a16="http://schemas.microsoft.com/office/drawing/2014/main" val="10002"/>
                   </a:ext>
                 </a:extLst>
               </a:tr>
@@ -19562,7 +19565,7 @@
                 <a:gridCol w="11026775">
                   <a:extLst>
                     <a:ext uri="{9D8B030D-6E8A-4147-A177-3AD203B41FA5}">
-                      <a16:colId xmlns:a16="http://schemas.microsoft.com/office/drawing/2014/main" xmlns="" val="20000"/>
+                      <a16:colId xmlns="" xmlns:a16="http://schemas.microsoft.com/office/drawing/2014/main" val="20000"/>
                     </a:ext>
                   </a:extLst>
                 </a:gridCol>
@@ -19589,7 +19592,7 @@
                 </a:tc>
                 <a:extLst>
                   <a:ext uri="{0D108BD9-81ED-4DB2-BD59-A6C34878D82A}">
-                    <a16:rowId xmlns:a16="http://schemas.microsoft.com/office/drawing/2014/main" xmlns="" val="10000"/>
+                    <a16:rowId xmlns="" xmlns:a16="http://schemas.microsoft.com/office/drawing/2014/main" val="10000"/>
                   </a:ext>
                 </a:extLst>
               </a:tr>
@@ -19614,7 +19617,7 @@
                 </a:tc>
                 <a:extLst>
                   <a:ext uri="{0D108BD9-81ED-4DB2-BD59-A6C34878D82A}">
-                    <a16:rowId xmlns:a16="http://schemas.microsoft.com/office/drawing/2014/main" xmlns="" val="10001"/>
+                    <a16:rowId xmlns="" xmlns:a16="http://schemas.microsoft.com/office/drawing/2014/main" val="10001"/>
                   </a:ext>
                 </a:extLst>
               </a:tr>
@@ -19659,7 +19662,7 @@
                 </a:tc>
                 <a:extLst>
                   <a:ext uri="{0D108BD9-81ED-4DB2-BD59-A6C34878D82A}">
-                    <a16:rowId xmlns:a16="http://schemas.microsoft.com/office/drawing/2014/main" xmlns="" val="10002"/>
+                    <a16:rowId xmlns="" xmlns:a16="http://schemas.microsoft.com/office/drawing/2014/main" val="10002"/>
                   </a:ext>
                 </a:extLst>
               </a:tr>
@@ -19800,7 +19803,7 @@
                 <a:gridCol w="11026775">
                   <a:extLst>
                     <a:ext uri="{9D8B030D-6E8A-4147-A177-3AD203B41FA5}">
-                      <a16:colId xmlns:a16="http://schemas.microsoft.com/office/drawing/2014/main" xmlns="" val="20000"/>
+                      <a16:colId xmlns="" xmlns:a16="http://schemas.microsoft.com/office/drawing/2014/main" val="20000"/>
                     </a:ext>
                   </a:extLst>
                 </a:gridCol>
@@ -19827,7 +19830,7 @@
                 </a:tc>
                 <a:extLst>
                   <a:ext uri="{0D108BD9-81ED-4DB2-BD59-A6C34878D82A}">
-                    <a16:rowId xmlns:a16="http://schemas.microsoft.com/office/drawing/2014/main" xmlns="" val="10000"/>
+                    <a16:rowId xmlns="" xmlns:a16="http://schemas.microsoft.com/office/drawing/2014/main" val="10000"/>
                   </a:ext>
                 </a:extLst>
               </a:tr>
@@ -19851,7 +19854,7 @@
                 </a:tc>
                 <a:extLst>
                   <a:ext uri="{0D108BD9-81ED-4DB2-BD59-A6C34878D82A}">
-                    <a16:rowId xmlns:a16="http://schemas.microsoft.com/office/drawing/2014/main" xmlns="" val="10001"/>
+                    <a16:rowId xmlns="" xmlns:a16="http://schemas.microsoft.com/office/drawing/2014/main" val="10001"/>
                   </a:ext>
                 </a:extLst>
               </a:tr>
@@ -19875,7 +19878,7 @@
                 </a:tc>
                 <a:extLst>
                   <a:ext uri="{0D108BD9-81ED-4DB2-BD59-A6C34878D82A}">
-                    <a16:rowId xmlns:a16="http://schemas.microsoft.com/office/drawing/2014/main" xmlns="" val="10002"/>
+                    <a16:rowId xmlns="" xmlns:a16="http://schemas.microsoft.com/office/drawing/2014/main" val="10002"/>
                   </a:ext>
                 </a:extLst>
               </a:tr>
@@ -19919,7 +19922,7 @@
                 </a:tc>
                 <a:extLst>
                   <a:ext uri="{0D108BD9-81ED-4DB2-BD59-A6C34878D82A}">
-                    <a16:rowId xmlns:a16="http://schemas.microsoft.com/office/drawing/2014/main" xmlns="" val="10003"/>
+                    <a16:rowId xmlns="" xmlns:a16="http://schemas.microsoft.com/office/drawing/2014/main" val="10003"/>
                   </a:ext>
                 </a:extLst>
               </a:tr>
@@ -21037,14 +21040,14 @@
                 <a:gridCol w="5010150">
                   <a:extLst>
                     <a:ext uri="{9D8B030D-6E8A-4147-A177-3AD203B41FA5}">
-                      <a16:colId xmlns:a16="http://schemas.microsoft.com/office/drawing/2014/main" xmlns="" val="20000"/>
+                      <a16:colId xmlns="" xmlns:a16="http://schemas.microsoft.com/office/drawing/2014/main" val="20000"/>
                     </a:ext>
                   </a:extLst>
                 </a:gridCol>
                 <a:gridCol w="6016626">
                   <a:extLst>
                     <a:ext uri="{9D8B030D-6E8A-4147-A177-3AD203B41FA5}">
-                      <a16:colId xmlns:a16="http://schemas.microsoft.com/office/drawing/2014/main" xmlns="" val="20001"/>
+                      <a16:colId xmlns="" xmlns:a16="http://schemas.microsoft.com/office/drawing/2014/main" val="20001"/>
                     </a:ext>
                   </a:extLst>
                 </a:gridCol>
@@ -21080,7 +21083,7 @@
                 </a:tc>
                 <a:extLst>
                   <a:ext uri="{0D108BD9-81ED-4DB2-BD59-A6C34878D82A}">
-                    <a16:rowId xmlns:a16="http://schemas.microsoft.com/office/drawing/2014/main" xmlns="" val="10000"/>
+                    <a16:rowId xmlns="" xmlns:a16="http://schemas.microsoft.com/office/drawing/2014/main" val="10000"/>
                   </a:ext>
                 </a:extLst>
               </a:tr>
@@ -21117,7 +21120,7 @@
                 </a:tc>
                 <a:extLst>
                   <a:ext uri="{0D108BD9-81ED-4DB2-BD59-A6C34878D82A}">
-                    <a16:rowId xmlns:a16="http://schemas.microsoft.com/office/drawing/2014/main" xmlns="" val="10001"/>
+                    <a16:rowId xmlns="" xmlns:a16="http://schemas.microsoft.com/office/drawing/2014/main" val="10001"/>
                   </a:ext>
                 </a:extLst>
               </a:tr>
@@ -21154,7 +21157,7 @@
                 </a:tc>
                 <a:extLst>
                   <a:ext uri="{0D108BD9-81ED-4DB2-BD59-A6C34878D82A}">
-                    <a16:rowId xmlns:a16="http://schemas.microsoft.com/office/drawing/2014/main" xmlns="" val="10002"/>
+                    <a16:rowId xmlns="" xmlns:a16="http://schemas.microsoft.com/office/drawing/2014/main" val="10002"/>
                   </a:ext>
                 </a:extLst>
               </a:tr>
@@ -21192,7 +21195,7 @@
                 </a:tc>
                 <a:extLst>
                   <a:ext uri="{0D108BD9-81ED-4DB2-BD59-A6C34878D82A}">
-                    <a16:rowId xmlns:a16="http://schemas.microsoft.com/office/drawing/2014/main" xmlns="" val="10003"/>
+                    <a16:rowId xmlns="" xmlns:a16="http://schemas.microsoft.com/office/drawing/2014/main" val="10003"/>
                   </a:ext>
                 </a:extLst>
               </a:tr>
@@ -21225,7 +21228,7 @@
                 </a:tc>
                 <a:extLst>
                   <a:ext uri="{0D108BD9-81ED-4DB2-BD59-A6C34878D82A}">
-                    <a16:rowId xmlns:a16="http://schemas.microsoft.com/office/drawing/2014/main" xmlns="" val="10004"/>
+                    <a16:rowId xmlns="" xmlns:a16="http://schemas.microsoft.com/office/drawing/2014/main" val="10004"/>
                   </a:ext>
                 </a:extLst>
               </a:tr>
@@ -21286,7 +21289,7 @@
                 </a:tc>
                 <a:extLst>
                   <a:ext uri="{0D108BD9-81ED-4DB2-BD59-A6C34878D82A}">
-                    <a16:rowId xmlns:a16="http://schemas.microsoft.com/office/drawing/2014/main" xmlns="" val="10005"/>
+                    <a16:rowId xmlns="" xmlns:a16="http://schemas.microsoft.com/office/drawing/2014/main" val="10005"/>
                   </a:ext>
                 </a:extLst>
               </a:tr>
